--- a/UPSTAT-2012_tutorial.pptx
+++ b/UPSTAT-2012_tutorial.pptx
@@ -5,19 +5,19 @@
     <p:sldMasterId id="2147483648" r:id="rId1"/>
   </p:sldMasterIdLst>
   <p:sldIdLst>
-    <p:sldId id="260" r:id="rId2"/>
-    <p:sldId id="258" r:id="rId3"/>
+    <p:sldId id="258" r:id="rId2"/>
+    <p:sldId id="260" r:id="rId3"/>
     <p:sldId id="257" r:id="rId4"/>
-    <p:sldId id="259" r:id="rId5"/>
-    <p:sldId id="261" r:id="rId6"/>
+    <p:sldId id="261" r:id="rId5"/>
+    <p:sldId id="266" r:id="rId6"/>
     <p:sldId id="262" r:id="rId7"/>
     <p:sldId id="263" r:id="rId8"/>
     <p:sldId id="264" r:id="rId9"/>
     <p:sldId id="265" r:id="rId10"/>
-    <p:sldId id="266" r:id="rId11"/>
-    <p:sldId id="268" r:id="rId12"/>
-    <p:sldId id="269" r:id="rId13"/>
-    <p:sldId id="270" r:id="rId14"/>
+    <p:sldId id="268" r:id="rId11"/>
+    <p:sldId id="269" r:id="rId12"/>
+    <p:sldId id="272" r:id="rId13"/>
+    <p:sldId id="273" r:id="rId14"/>
   </p:sldIdLst>
   <p:sldSz cx="12192000" cy="6858000"/>
   <p:notesSz cx="6858000" cy="9144000"/>
@@ -116,6 +116,11 @@
       </a:defRPr>
     </a:lvl9pPr>
   </p:defaultTextStyle>
+  <p:extLst>
+    <p:ext uri="{EFAFB233-063F-42B5-8137-9DF3F51BA10A}">
+      <p15:sldGuideLst xmlns:p15="http://schemas.microsoft.com/office/powerpoint/2012/main"/>
+    </p:ext>
+  </p:extLst>
 </p:presentation>
 </file>
 
@@ -250,7 +255,7 @@
           <a:p>
             <a:fld id="{70E9FFA7-8349-4EB8-B08C-7B226AA2593A}" type="datetimeFigureOut">
               <a:rPr lang="en-US" smtClean="0"/>
-              <a:t>4/18/2021</a:t>
+              <a:t>4/23/2021</a:t>
             </a:fld>
             <a:endParaRPr lang="en-US"/>
           </a:p>
@@ -420,7 +425,7 @@
           <a:p>
             <a:fld id="{70E9FFA7-8349-4EB8-B08C-7B226AA2593A}" type="datetimeFigureOut">
               <a:rPr lang="en-US" smtClean="0"/>
-              <a:t>4/18/2021</a:t>
+              <a:t>4/23/2021</a:t>
             </a:fld>
             <a:endParaRPr lang="en-US"/>
           </a:p>
@@ -600,7 +605,7 @@
           <a:p>
             <a:fld id="{70E9FFA7-8349-4EB8-B08C-7B226AA2593A}" type="datetimeFigureOut">
               <a:rPr lang="en-US" smtClean="0"/>
-              <a:t>4/18/2021</a:t>
+              <a:t>4/23/2021</a:t>
             </a:fld>
             <a:endParaRPr lang="en-US"/>
           </a:p>
@@ -875,7 +880,7 @@
           <a:p>
             <a:fld id="{70E9FFA7-8349-4EB8-B08C-7B226AA2593A}" type="datetimeFigureOut">
               <a:rPr lang="en-US" smtClean="0"/>
-              <a:t>4/18/2021</a:t>
+              <a:t>4/23/2021</a:t>
             </a:fld>
             <a:endParaRPr lang="en-US"/>
           </a:p>
@@ -1121,7 +1126,7 @@
           <a:p>
             <a:fld id="{70E9FFA7-8349-4EB8-B08C-7B226AA2593A}" type="datetimeFigureOut">
               <a:rPr lang="en-US" smtClean="0"/>
-              <a:t>4/18/2021</a:t>
+              <a:t>4/23/2021</a:t>
             </a:fld>
             <a:endParaRPr lang="en-US"/>
           </a:p>
@@ -1353,7 +1358,7 @@
           <a:p>
             <a:fld id="{70E9FFA7-8349-4EB8-B08C-7B226AA2593A}" type="datetimeFigureOut">
               <a:rPr lang="en-US" smtClean="0"/>
-              <a:t>4/18/2021</a:t>
+              <a:t>4/23/2021</a:t>
             </a:fld>
             <a:endParaRPr lang="en-US"/>
           </a:p>
@@ -1720,7 +1725,7 @@
           <a:p>
             <a:fld id="{70E9FFA7-8349-4EB8-B08C-7B226AA2593A}" type="datetimeFigureOut">
               <a:rPr lang="en-US" smtClean="0"/>
-              <a:t>4/18/2021</a:t>
+              <a:t>4/23/2021</a:t>
             </a:fld>
             <a:endParaRPr lang="en-US"/>
           </a:p>
@@ -1838,7 +1843,7 @@
           <a:p>
             <a:fld id="{70E9FFA7-8349-4EB8-B08C-7B226AA2593A}" type="datetimeFigureOut">
               <a:rPr lang="en-US" smtClean="0"/>
-              <a:t>4/18/2021</a:t>
+              <a:t>4/23/2021</a:t>
             </a:fld>
             <a:endParaRPr lang="en-US"/>
           </a:p>
@@ -1933,7 +1938,7 @@
           <a:p>
             <a:fld id="{70E9FFA7-8349-4EB8-B08C-7B226AA2593A}" type="datetimeFigureOut">
               <a:rPr lang="en-US" smtClean="0"/>
-              <a:t>4/18/2021</a:t>
+              <a:t>4/23/2021</a:t>
             </a:fld>
             <a:endParaRPr lang="en-US"/>
           </a:p>
@@ -2210,7 +2215,7 @@
           <a:p>
             <a:fld id="{70E9FFA7-8349-4EB8-B08C-7B226AA2593A}" type="datetimeFigureOut">
               <a:rPr lang="en-US" smtClean="0"/>
-              <a:t>4/18/2021</a:t>
+              <a:t>4/23/2021</a:t>
             </a:fld>
             <a:endParaRPr lang="en-US"/>
           </a:p>
@@ -2463,7 +2468,7 @@
           <a:p>
             <a:fld id="{70E9FFA7-8349-4EB8-B08C-7B226AA2593A}" type="datetimeFigureOut">
               <a:rPr lang="en-US" smtClean="0"/>
-              <a:t>4/18/2021</a:t>
+              <a:t>4/23/2021</a:t>
             </a:fld>
             <a:endParaRPr lang="en-US"/>
           </a:p>
@@ -2676,7 +2681,7 @@
           <a:p>
             <a:fld id="{70E9FFA7-8349-4EB8-B08C-7B226AA2593A}" type="datetimeFigureOut">
               <a:rPr lang="en-US" smtClean="0"/>
-              <a:t>4/18/2021</a:t>
+              <a:t>4/23/2021</a:t>
             </a:fld>
             <a:endParaRPr lang="en-US"/>
           </a:p>
@@ -3068,6 +3073,16 @@
 <file path=ppt/slides/slide1.xml><?xml version="1.0" encoding="utf-8"?>
 <p:sld xmlns:a="http://schemas.openxmlformats.org/drawingml/2006/main" xmlns:r="http://schemas.openxmlformats.org/officeDocument/2006/relationships" xmlns:p="http://schemas.openxmlformats.org/presentationml/2006/main">
   <p:cSld>
+    <p:bg>
+      <p:bgPr>
+        <a:solidFill>
+          <a:schemeClr val="accent6">
+            <a:lumMod val="75000"/>
+          </a:schemeClr>
+        </a:solidFill>
+        <a:effectLst/>
+      </p:bgPr>
+    </p:bg>
     <p:spTree>
       <p:nvGrpSpPr>
         <p:cNvPr id="1" name=""/>
@@ -3082,6 +3097,1959 @@
           <a:chExt cx="0" cy="0"/>
         </a:xfrm>
       </p:grpSpPr>
+      <p:pic>
+        <p:nvPicPr>
+          <p:cNvPr id="4" name="Picture 3" descr="February « 2014 « paleoaerie"/>
+          <p:cNvPicPr>
+            <a:picLocks noChangeAspect="1"/>
+          </p:cNvPicPr>
+          <p:nvPr/>
+        </p:nvPicPr>
+        <p:blipFill>
+          <a:blip r:embed="rId2">
+            <a:extLst>
+              <a:ext uri="{28A0092B-C50C-407E-A947-70E740481C1C}">
+                <a14:useLocalDpi xmlns:a14="http://schemas.microsoft.com/office/drawing/2010/main" val="0"/>
+              </a:ext>
+            </a:extLst>
+          </a:blip>
+          <a:stretch>
+            <a:fillRect/>
+          </a:stretch>
+        </p:blipFill>
+        <p:spPr>
+          <a:xfrm>
+            <a:off x="2230811" y="412072"/>
+            <a:ext cx="7897912" cy="6065596"/>
+          </a:xfrm>
+          <a:prstGeom prst="rect">
+            <a:avLst/>
+          </a:prstGeom>
+        </p:spPr>
+      </p:pic>
+      <p:pic>
+        <p:nvPicPr>
+          <p:cNvPr id="5" name="Picture 4" descr="images - Surround object (semitransparent png alpha) by ..."/>
+          <p:cNvPicPr>
+            <a:picLocks noChangeAspect="1"/>
+          </p:cNvPicPr>
+          <p:nvPr/>
+        </p:nvPicPr>
+        <p:blipFill>
+          <a:blip r:embed="rId3" cstate="print">
+            <a:extLst>
+              <a:ext uri="{28A0092B-C50C-407E-A947-70E740481C1C}">
+                <a14:useLocalDpi xmlns:a14="http://schemas.microsoft.com/office/drawing/2010/main" val="0"/>
+              </a:ext>
+            </a:extLst>
+          </a:blip>
+          <a:stretch>
+            <a:fillRect/>
+          </a:stretch>
+        </p:blipFill>
+        <p:spPr>
+          <a:xfrm>
+            <a:off x="8374436" y="4259955"/>
+            <a:ext cx="1219200" cy="693836"/>
+          </a:xfrm>
+          <a:prstGeom prst="rect">
+            <a:avLst/>
+          </a:prstGeom>
+        </p:spPr>
+      </p:pic>
+      <p:pic>
+        <p:nvPicPr>
+          <p:cNvPr id="7" name="Picture 6" descr="Proteus: Design for a 'space station' in the ocean ..."/>
+          <p:cNvPicPr>
+            <a:picLocks noChangeAspect="1"/>
+          </p:cNvPicPr>
+          <p:nvPr/>
+        </p:nvPicPr>
+        <p:blipFill rotWithShape="1">
+          <a:blip r:embed="rId4" cstate="print">
+            <a:extLst>
+              <a:ext uri="{BEBA8EAE-BF5A-486C-A8C5-ECC9F3942E4B}">
+                <a14:imgProps xmlns:a14="http://schemas.microsoft.com/office/drawing/2010/main">
+                  <a14:imgLayer r:embed="rId5">
+                    <a14:imgEffect>
+                      <a14:artisticPaintStrokes/>
+                    </a14:imgEffect>
+                  </a14:imgLayer>
+                </a14:imgProps>
+              </a:ext>
+              <a:ext uri="{28A0092B-C50C-407E-A947-70E740481C1C}">
+                <a14:useLocalDpi xmlns:a14="http://schemas.microsoft.com/office/drawing/2010/main" val="0"/>
+              </a:ext>
+            </a:extLst>
+          </a:blip>
+          <a:srcRect r="33573" b="25899"/>
+          <a:stretch/>
+        </p:blipFill>
+        <p:spPr>
+          <a:xfrm>
+            <a:off x="5544394" y="4403027"/>
+            <a:ext cx="1027856" cy="645223"/>
+          </a:xfrm>
+          <a:prstGeom prst="rect">
+            <a:avLst/>
+          </a:prstGeom>
+        </p:spPr>
+      </p:pic>
+      <p:pic>
+        <p:nvPicPr>
+          <p:cNvPr id="8" name="Picture 7" descr="Submarine PNG"/>
+          <p:cNvPicPr>
+            <a:picLocks noChangeAspect="1"/>
+          </p:cNvPicPr>
+          <p:nvPr/>
+        </p:nvPicPr>
+        <p:blipFill>
+          <a:blip r:embed="rId6" cstate="print">
+            <a:extLst>
+              <a:ext uri="{28A0092B-C50C-407E-A947-70E740481C1C}">
+                <a14:useLocalDpi xmlns:a14="http://schemas.microsoft.com/office/drawing/2010/main" val="0"/>
+              </a:ext>
+            </a:extLst>
+          </a:blip>
+          <a:stretch>
+            <a:fillRect/>
+          </a:stretch>
+        </p:blipFill>
+        <p:spPr>
+          <a:xfrm>
+            <a:off x="5349131" y="2661679"/>
+            <a:ext cx="1004044" cy="709942"/>
+          </a:xfrm>
+          <a:prstGeom prst="rect">
+            <a:avLst/>
+          </a:prstGeom>
+        </p:spPr>
+      </p:pic>
+      <p:pic>
+        <p:nvPicPr>
+          <p:cNvPr id="9" name="Picture 8" descr="A cartoon intro to ArrayBuffers and SharedArrayBuffers ..."/>
+          <p:cNvPicPr>
+            <a:picLocks noChangeAspect="1"/>
+          </p:cNvPicPr>
+          <p:nvPr/>
+        </p:nvPicPr>
+        <p:blipFill>
+          <a:blip r:embed="rId7">
+            <a:extLst>
+              <a:ext uri="{28A0092B-C50C-407E-A947-70E740481C1C}">
+                <a14:useLocalDpi xmlns:a14="http://schemas.microsoft.com/office/drawing/2010/main" val="0"/>
+              </a:ext>
+            </a:extLst>
+          </a:blip>
+          <a:stretch>
+            <a:fillRect/>
+          </a:stretch>
+        </p:blipFill>
+        <p:spPr>
+          <a:xfrm>
+            <a:off x="5035607" y="5780204"/>
+            <a:ext cx="3726695" cy="454657"/>
+          </a:xfrm>
+          <a:prstGeom prst="rect">
+            <a:avLst/>
+          </a:prstGeom>
+        </p:spPr>
+      </p:pic>
+      <p:pic>
+        <p:nvPicPr>
+          <p:cNvPr id="10" name="Picture 9" descr="Swimming PNG Transparent Images | PNG All"/>
+          <p:cNvPicPr>
+            <a:picLocks noChangeAspect="1"/>
+          </p:cNvPicPr>
+          <p:nvPr/>
+        </p:nvPicPr>
+        <p:blipFill>
+          <a:blip r:embed="rId8" cstate="print">
+            <a:extLst>
+              <a:ext uri="{28A0092B-C50C-407E-A947-70E740481C1C}">
+                <a14:useLocalDpi xmlns:a14="http://schemas.microsoft.com/office/drawing/2010/main" val="0"/>
+              </a:ext>
+            </a:extLst>
+          </a:blip>
+          <a:stretch>
+            <a:fillRect/>
+          </a:stretch>
+        </p:blipFill>
+        <p:spPr>
+          <a:xfrm>
+            <a:off x="6686550" y="2112333"/>
+            <a:ext cx="1123474" cy="608548"/>
+          </a:xfrm>
+          <a:prstGeom prst="rect">
+            <a:avLst/>
+          </a:prstGeom>
+        </p:spPr>
+      </p:pic>
+      <p:sp>
+        <p:nvSpPr>
+          <p:cNvPr id="12" name="TextBox 11"/>
+          <p:cNvSpPr txBox="1"/>
+          <p:nvPr/>
+        </p:nvSpPr>
+        <p:spPr>
+          <a:xfrm>
+            <a:off x="4727961" y="3290983"/>
+            <a:ext cx="2204258" cy="307777"/>
+          </a:xfrm>
+          <a:prstGeom prst="rect">
+            <a:avLst/>
+          </a:prstGeom>
+          <a:noFill/>
+        </p:spPr>
+        <p:txBody>
+          <a:bodyPr wrap="none" rtlCol="0">
+            <a:spAutoFit/>
+          </a:bodyPr>
+          <a:lstStyle/>
+          <a:p>
+            <a:r>
+              <a:rPr lang="en-US" sz="1400" dirty="0"/>
+              <a:t>packages/modules/libraries</a:t>
+            </a:r>
+          </a:p>
+        </p:txBody>
+      </p:sp>
+      <p:sp>
+        <p:nvSpPr>
+          <p:cNvPr id="13" name="TextBox 12"/>
+          <p:cNvSpPr txBox="1"/>
+          <p:nvPr/>
+        </p:nvSpPr>
+        <p:spPr>
+          <a:xfrm>
+            <a:off x="6058322" y="2528292"/>
+            <a:ext cx="2431948" cy="307777"/>
+          </a:xfrm>
+          <a:prstGeom prst="rect">
+            <a:avLst/>
+          </a:prstGeom>
+          <a:noFill/>
+        </p:spPr>
+        <p:txBody>
+          <a:bodyPr wrap="none" rtlCol="0">
+            <a:spAutoFit/>
+          </a:bodyPr>
+          <a:lstStyle/>
+          <a:p>
+            <a:r>
+              <a:rPr lang="en-US" sz="1400" dirty="0" err="1"/>
+              <a:t>perl</a:t>
+            </a:r>
+            <a:r>
+              <a:rPr lang="en-US" sz="1400" dirty="0"/>
+              <a:t>/JS/python/R/ruby (script)</a:t>
+            </a:r>
+          </a:p>
+        </p:txBody>
+      </p:sp>
+      <p:sp>
+        <p:nvSpPr>
+          <p:cNvPr id="14" name="TextBox 13"/>
+          <p:cNvSpPr txBox="1"/>
+          <p:nvPr/>
+        </p:nvSpPr>
+        <p:spPr>
+          <a:xfrm>
+            <a:off x="8031995" y="3987351"/>
+            <a:ext cx="2096728" cy="307777"/>
+          </a:xfrm>
+          <a:prstGeom prst="rect">
+            <a:avLst/>
+          </a:prstGeom>
+          <a:noFill/>
+        </p:spPr>
+        <p:txBody>
+          <a:bodyPr wrap="none" rtlCol="0">
+            <a:spAutoFit/>
+          </a:bodyPr>
+          <a:lstStyle/>
+          <a:p>
+            <a:r>
+              <a:rPr lang="en-US" sz="1400" dirty="0"/>
+              <a:t>Java runtime environment</a:t>
+            </a:r>
+          </a:p>
+        </p:txBody>
+      </p:sp>
+      <p:sp>
+        <p:nvSpPr>
+          <p:cNvPr id="15" name="TextBox 14"/>
+          <p:cNvSpPr txBox="1"/>
+          <p:nvPr/>
+        </p:nvSpPr>
+        <p:spPr>
+          <a:xfrm>
+            <a:off x="3350857" y="5812846"/>
+            <a:ext cx="1467581" cy="369332"/>
+          </a:xfrm>
+          <a:prstGeom prst="rect">
+            <a:avLst/>
+          </a:prstGeom>
+          <a:noFill/>
+        </p:spPr>
+        <p:txBody>
+          <a:bodyPr wrap="none" rtlCol="0">
+            <a:spAutoFit/>
+          </a:bodyPr>
+          <a:lstStyle/>
+          <a:p>
+            <a:r>
+              <a:rPr lang="en-US" dirty="0">
+                <a:solidFill>
+                  <a:schemeClr val="bg1"/>
+                </a:solidFill>
+              </a:rPr>
+              <a:t>your machine</a:t>
+            </a:r>
+          </a:p>
+        </p:txBody>
+      </p:sp>
+      <p:sp>
+        <p:nvSpPr>
+          <p:cNvPr id="16" name="TextBox 15"/>
+          <p:cNvSpPr txBox="1"/>
+          <p:nvPr/>
+        </p:nvSpPr>
+        <p:spPr>
+          <a:xfrm>
+            <a:off x="7359010" y="3382077"/>
+            <a:ext cx="2268506" cy="369332"/>
+          </a:xfrm>
+          <a:prstGeom prst="rect">
+            <a:avLst/>
+          </a:prstGeom>
+          <a:noFill/>
+        </p:spPr>
+        <p:txBody>
+          <a:bodyPr wrap="none" rtlCol="0">
+            <a:spAutoFit/>
+          </a:bodyPr>
+          <a:lstStyle/>
+          <a:p>
+            <a:r>
+              <a:rPr lang="en-US" dirty="0">
+                <a:solidFill>
+                  <a:schemeClr val="bg1"/>
+                </a:solidFill>
+              </a:rPr>
+              <a:t>your operating system</a:t>
+            </a:r>
+          </a:p>
+        </p:txBody>
+      </p:sp>
+      <p:sp>
+        <p:nvSpPr>
+          <p:cNvPr id="17" name="TextBox 16"/>
+          <p:cNvSpPr txBox="1"/>
+          <p:nvPr/>
+        </p:nvSpPr>
+        <p:spPr>
+          <a:xfrm>
+            <a:off x="2932815" y="486091"/>
+            <a:ext cx="6840719" cy="584775"/>
+          </a:xfrm>
+          <a:prstGeom prst="rect">
+            <a:avLst/>
+          </a:prstGeom>
+          <a:noFill/>
+        </p:spPr>
+        <p:txBody>
+          <a:bodyPr wrap="none" rtlCol="0">
+            <a:spAutoFit/>
+          </a:bodyPr>
+          <a:lstStyle/>
+          <a:p>
+            <a:r>
+              <a:rPr lang="en-US" sz="3200" dirty="0">
+                <a:solidFill>
+                  <a:schemeClr val="bg1"/>
+                </a:solidFill>
+              </a:rPr>
+              <a:t>high level versus low level programming</a:t>
+            </a:r>
+          </a:p>
+        </p:txBody>
+      </p:sp>
+      <p:sp>
+        <p:nvSpPr>
+          <p:cNvPr id="18" name="TextBox 17"/>
+          <p:cNvSpPr txBox="1"/>
+          <p:nvPr/>
+        </p:nvSpPr>
+        <p:spPr>
+          <a:xfrm>
+            <a:off x="8599390" y="2400069"/>
+            <a:ext cx="994247" cy="523220"/>
+          </a:xfrm>
+          <a:prstGeom prst="rect">
+            <a:avLst/>
+          </a:prstGeom>
+          <a:noFill/>
+        </p:spPr>
+        <p:txBody>
+          <a:bodyPr wrap="none" rtlCol="0">
+            <a:spAutoFit/>
+          </a:bodyPr>
+          <a:lstStyle/>
+          <a:p>
+            <a:r>
+              <a:rPr lang="en-US" sz="1400" dirty="0"/>
+              <a:t>existing</a:t>
+            </a:r>
+          </a:p>
+          <a:p>
+            <a:r>
+              <a:rPr lang="en-US" sz="1400" dirty="0"/>
+              <a:t>application</a:t>
+            </a:r>
+          </a:p>
+        </p:txBody>
+      </p:sp>
+      <p:sp>
+        <p:nvSpPr>
+          <p:cNvPr id="19" name="TextBox 18"/>
+          <p:cNvSpPr txBox="1"/>
+          <p:nvPr/>
+        </p:nvSpPr>
+        <p:spPr>
+          <a:xfrm>
+            <a:off x="5053945" y="4016998"/>
+            <a:ext cx="2255617" cy="307777"/>
+          </a:xfrm>
+          <a:prstGeom prst="rect">
+            <a:avLst/>
+          </a:prstGeom>
+          <a:noFill/>
+        </p:spPr>
+        <p:txBody>
+          <a:bodyPr wrap="none" rtlCol="0">
+            <a:spAutoFit/>
+          </a:bodyPr>
+          <a:lstStyle/>
+          <a:p>
+            <a:r>
+              <a:rPr lang="en-US" sz="1400" dirty="0"/>
+              <a:t>compiled C/BASIC/FORTRAN</a:t>
+            </a:r>
+          </a:p>
+        </p:txBody>
+      </p:sp>
+      <p:sp>
+        <p:nvSpPr>
+          <p:cNvPr id="23" name="TextBox 22"/>
+          <p:cNvSpPr txBox="1"/>
+          <p:nvPr/>
+        </p:nvSpPr>
+        <p:spPr>
+          <a:xfrm>
+            <a:off x="7359011" y="4905561"/>
+            <a:ext cx="891101" cy="461665"/>
+          </a:xfrm>
+          <a:prstGeom prst="rect">
+            <a:avLst/>
+          </a:prstGeom>
+          <a:solidFill>
+            <a:schemeClr val="tx1"/>
+          </a:solidFill>
+        </p:spPr>
+        <p:txBody>
+          <a:bodyPr wrap="square" rtlCol="0">
+            <a:spAutoFit/>
+          </a:bodyPr>
+          <a:lstStyle/>
+          <a:p>
+            <a:r>
+              <a:rPr lang="en-US" sz="1200" dirty="0">
+                <a:solidFill>
+                  <a:schemeClr val="bg2"/>
+                </a:solidFill>
+              </a:rPr>
+              <a:t>assembly</a:t>
+            </a:r>
+          </a:p>
+          <a:p>
+            <a:r>
+              <a:rPr lang="en-US" sz="1200" dirty="0">
+                <a:solidFill>
+                  <a:schemeClr val="bg2"/>
+                </a:solidFill>
+              </a:rPr>
+              <a:t> language</a:t>
+            </a:r>
+          </a:p>
+        </p:txBody>
+      </p:sp>
+      <p:pic>
+        <p:nvPicPr>
+          <p:cNvPr id="2" name="Picture 1" descr="Ilustración gratis: Bote De Vela, Dibujos Animados ..."/>
+          <p:cNvPicPr>
+            <a:picLocks noChangeAspect="1"/>
+          </p:cNvPicPr>
+          <p:nvPr/>
+        </p:nvPicPr>
+        <p:blipFill>
+          <a:blip r:embed="rId9" cstate="print">
+            <a:extLst>
+              <a:ext uri="{28A0092B-C50C-407E-A947-70E740481C1C}">
+                <a14:useLocalDpi xmlns:a14="http://schemas.microsoft.com/office/drawing/2010/main" val="0"/>
+              </a:ext>
+            </a:extLst>
+          </a:blip>
+          <a:stretch>
+            <a:fillRect/>
+          </a:stretch>
+        </p:blipFill>
+        <p:spPr>
+          <a:xfrm>
+            <a:off x="3854817" y="1904709"/>
+            <a:ext cx="949122" cy="711842"/>
+          </a:xfrm>
+          <a:prstGeom prst="rect">
+            <a:avLst/>
+          </a:prstGeom>
+        </p:spPr>
+      </p:pic>
+      <p:sp>
+        <p:nvSpPr>
+          <p:cNvPr id="24" name="TextBox 23"/>
+          <p:cNvSpPr txBox="1"/>
+          <p:nvPr/>
+        </p:nvSpPr>
+        <p:spPr>
+          <a:xfrm>
+            <a:off x="4322345" y="2394711"/>
+            <a:ext cx="994247" cy="523220"/>
+          </a:xfrm>
+          <a:prstGeom prst="rect">
+            <a:avLst/>
+          </a:prstGeom>
+          <a:noFill/>
+        </p:spPr>
+        <p:txBody>
+          <a:bodyPr wrap="none" rtlCol="0">
+            <a:spAutoFit/>
+          </a:bodyPr>
+          <a:lstStyle/>
+          <a:p>
+            <a:r>
+              <a:rPr lang="en-US" sz="1400" dirty="0"/>
+              <a:t>existing</a:t>
+            </a:r>
+          </a:p>
+          <a:p>
+            <a:r>
+              <a:rPr lang="en-US" sz="1400" dirty="0"/>
+              <a:t>application</a:t>
+            </a:r>
+          </a:p>
+        </p:txBody>
+      </p:sp>
+      <p:sp>
+        <p:nvSpPr>
+          <p:cNvPr id="3" name="TextBox 2"/>
+          <p:cNvSpPr txBox="1"/>
+          <p:nvPr/>
+        </p:nvSpPr>
+        <p:spPr>
+          <a:xfrm>
+            <a:off x="4606030" y="1932631"/>
+            <a:ext cx="3494290" cy="307777"/>
+          </a:xfrm>
+          <a:prstGeom prst="rect">
+            <a:avLst/>
+          </a:prstGeom>
+          <a:noFill/>
+        </p:spPr>
+        <p:txBody>
+          <a:bodyPr wrap="none" rtlCol="0">
+            <a:spAutoFit/>
+          </a:bodyPr>
+          <a:lstStyle/>
+          <a:p>
+            <a:r>
+              <a:rPr lang="en-US" sz="1400" dirty="0"/>
+              <a:t>pipelining = connecting applications via script</a:t>
+            </a:r>
+          </a:p>
+        </p:txBody>
+      </p:sp>
+    </p:spTree>
+    <p:extLst>
+      <p:ext uri="{BB962C8B-B14F-4D97-AF65-F5344CB8AC3E}">
+        <p14:creationId xmlns:p14="http://schemas.microsoft.com/office/powerpoint/2010/main" val="4234112969"/>
+      </p:ext>
+    </p:extLst>
+  </p:cSld>
+  <p:clrMapOvr>
+    <a:masterClrMapping/>
+  </p:clrMapOvr>
+  <p:timing>
+    <p:tnLst>
+      <p:par>
+        <p:cTn id="1" dur="indefinite" restart="never" nodeType="tmRoot"/>
+      </p:par>
+    </p:tnLst>
+  </p:timing>
+</p:sld>
+</file>
+
+<file path=ppt/slides/slide10.xml><?xml version="1.0" encoding="utf-8"?>
+<p:sld xmlns:a="http://schemas.openxmlformats.org/drawingml/2006/main" xmlns:r="http://schemas.openxmlformats.org/officeDocument/2006/relationships" xmlns:p="http://schemas.openxmlformats.org/presentationml/2006/main">
+  <p:cSld>
+    <p:bg>
+      <p:bgPr>
+        <a:solidFill>
+          <a:schemeClr val="accent6">
+            <a:lumMod val="20000"/>
+            <a:lumOff val="80000"/>
+          </a:schemeClr>
+        </a:solidFill>
+        <a:effectLst/>
+      </p:bgPr>
+    </p:bg>
+    <p:spTree>
+      <p:nvGrpSpPr>
+        <p:cNvPr id="1" name=""/>
+        <p:cNvGrpSpPr/>
+        <p:nvPr/>
+      </p:nvGrpSpPr>
+      <p:grpSpPr>
+        <a:xfrm>
+          <a:off x="0" y="0"/>
+          <a:ext cx="0" cy="0"/>
+          <a:chOff x="0" y="0"/>
+          <a:chExt cx="0" cy="0"/>
+        </a:xfrm>
+      </p:grpSpPr>
+      <p:sp>
+        <p:nvSpPr>
+          <p:cNvPr id="13" name="TextBox 12">
+            <a:extLst>
+              <a:ext uri="{FF2B5EF4-FFF2-40B4-BE49-F238E27FC236}">
+                <a16:creationId xmlns:a16="http://schemas.microsoft.com/office/drawing/2014/main" id="{FD3C69C3-2E81-4117-B0CF-770092337A5F}"/>
+              </a:ext>
+            </a:extLst>
+          </p:cNvPr>
+          <p:cNvSpPr txBox="1"/>
+          <p:nvPr/>
+        </p:nvSpPr>
+        <p:spPr>
+          <a:xfrm>
+            <a:off x="4942766" y="414635"/>
+            <a:ext cx="2007281" cy="523220"/>
+          </a:xfrm>
+          <a:prstGeom prst="rect">
+            <a:avLst/>
+          </a:prstGeom>
+          <a:noFill/>
+        </p:spPr>
+        <p:txBody>
+          <a:bodyPr wrap="none" rtlCol="0">
+            <a:spAutoFit/>
+          </a:bodyPr>
+          <a:lstStyle/>
+          <a:p>
+            <a:r>
+              <a:rPr lang="en-US" sz="2800" dirty="0"/>
+              <a:t>R – basic I/O</a:t>
+            </a:r>
+          </a:p>
+        </p:txBody>
+      </p:sp>
+      <p:sp>
+        <p:nvSpPr>
+          <p:cNvPr id="14" name="TextBox 13">
+            <a:extLst>
+              <a:ext uri="{FF2B5EF4-FFF2-40B4-BE49-F238E27FC236}">
+                <a16:creationId xmlns:a16="http://schemas.microsoft.com/office/drawing/2014/main" id="{B6694B26-6A39-4E12-AA24-6E9D2DBF9E61}"/>
+              </a:ext>
+            </a:extLst>
+          </p:cNvPr>
+          <p:cNvSpPr txBox="1"/>
+          <p:nvPr/>
+        </p:nvSpPr>
+        <p:spPr>
+          <a:xfrm>
+            <a:off x="8532358" y="4075717"/>
+            <a:ext cx="3420808" cy="369332"/>
+          </a:xfrm>
+          <a:prstGeom prst="rect">
+            <a:avLst/>
+          </a:prstGeom>
+          <a:noFill/>
+        </p:spPr>
+        <p:txBody>
+          <a:bodyPr wrap="none" rtlCol="0">
+            <a:spAutoFit/>
+          </a:bodyPr>
+          <a:lstStyle/>
+          <a:p>
+            <a:r>
+              <a:rPr lang="en-US" dirty="0">
+                <a:solidFill>
+                  <a:srgbClr val="FF0000"/>
+                </a:solidFill>
+              </a:rPr>
+              <a:t>there is also a write table function</a:t>
+            </a:r>
+          </a:p>
+        </p:txBody>
+      </p:sp>
+      <p:sp>
+        <p:nvSpPr>
+          <p:cNvPr id="17" name="TextBox 16">
+            <a:extLst>
+              <a:ext uri="{FF2B5EF4-FFF2-40B4-BE49-F238E27FC236}">
+                <a16:creationId xmlns:a16="http://schemas.microsoft.com/office/drawing/2014/main" id="{AAA28CF1-097A-4A32-B062-EFEE4DAB02CE}"/>
+              </a:ext>
+            </a:extLst>
+          </p:cNvPr>
+          <p:cNvSpPr txBox="1"/>
+          <p:nvPr/>
+        </p:nvSpPr>
+        <p:spPr>
+          <a:xfrm>
+            <a:off x="749300" y="1166842"/>
+            <a:ext cx="7223922" cy="4524315"/>
+          </a:xfrm>
+          <a:prstGeom prst="rect">
+            <a:avLst/>
+          </a:prstGeom>
+          <a:noFill/>
+          <a:ln>
+            <a:solidFill>
+              <a:schemeClr val="tx1"/>
+            </a:solidFill>
+          </a:ln>
+        </p:spPr>
+        <p:txBody>
+          <a:bodyPr wrap="square">
+            <a:spAutoFit/>
+          </a:bodyPr>
+          <a:lstStyle/>
+          <a:p>
+            <a:r>
+              <a:rPr lang="en-US" dirty="0"/>
+              <a:t>data=</a:t>
+            </a:r>
+            <a:r>
+              <a:rPr lang="en-US" dirty="0" err="1"/>
+              <a:t>read.table</a:t>
+            </a:r>
+            <a:r>
+              <a:rPr lang="en-US" dirty="0"/>
+              <a:t>("/home/</a:t>
+            </a:r>
+            <a:r>
+              <a:rPr lang="en-US" dirty="0" err="1"/>
+              <a:t>microcarbon</a:t>
+            </a:r>
+            <a:r>
+              <a:rPr lang="en-US" dirty="0"/>
+              <a:t>/Desktop/</a:t>
+            </a:r>
+            <a:r>
+              <a:rPr lang="en-US" dirty="0" err="1"/>
+              <a:t>iris_tab.txt",header</a:t>
+            </a:r>
+            <a:r>
+              <a:rPr lang="en-US" dirty="0"/>
+              <a:t>=TRUE)</a:t>
+            </a:r>
+          </a:p>
+          <a:p>
+            <a:r>
+              <a:rPr lang="en-US" dirty="0" err="1"/>
+              <a:t>sepal_length</a:t>
+            </a:r>
+            <a:r>
+              <a:rPr lang="en-US" dirty="0"/>
+              <a:t>=</a:t>
+            </a:r>
+            <a:r>
+              <a:rPr lang="en-US" dirty="0" err="1"/>
+              <a:t>data$sepal_length</a:t>
+            </a:r>
+            <a:endParaRPr lang="en-US" dirty="0"/>
+          </a:p>
+          <a:p>
+            <a:r>
+              <a:rPr lang="en-US" dirty="0" err="1"/>
+              <a:t>sepal_width</a:t>
+            </a:r>
+            <a:r>
+              <a:rPr lang="en-US" dirty="0"/>
+              <a:t>=</a:t>
+            </a:r>
+            <a:r>
+              <a:rPr lang="en-US" dirty="0" err="1"/>
+              <a:t>data$sepal_width</a:t>
+            </a:r>
+            <a:endParaRPr lang="en-US" dirty="0"/>
+          </a:p>
+          <a:p>
+            <a:r>
+              <a:rPr lang="en-US" dirty="0" err="1"/>
+              <a:t>petal_length</a:t>
+            </a:r>
+            <a:r>
+              <a:rPr lang="en-US" dirty="0"/>
+              <a:t>=</a:t>
+            </a:r>
+            <a:r>
+              <a:rPr lang="en-US" dirty="0" err="1"/>
+              <a:t>data$petal_length</a:t>
+            </a:r>
+            <a:endParaRPr lang="en-US" dirty="0"/>
+          </a:p>
+          <a:p>
+            <a:r>
+              <a:rPr lang="en-US" dirty="0" err="1"/>
+              <a:t>petal_width</a:t>
+            </a:r>
+            <a:r>
+              <a:rPr lang="en-US" dirty="0"/>
+              <a:t>=</a:t>
+            </a:r>
+            <a:r>
+              <a:rPr lang="en-US" dirty="0" err="1"/>
+              <a:t>data$petal_width</a:t>
+            </a:r>
+            <a:endParaRPr lang="en-US" dirty="0"/>
+          </a:p>
+          <a:p>
+            <a:r>
+              <a:rPr lang="en-US" dirty="0"/>
+              <a:t>species=</a:t>
+            </a:r>
+            <a:r>
+              <a:rPr lang="en-US" dirty="0" err="1"/>
+              <a:t>data$species</a:t>
+            </a:r>
+            <a:endParaRPr lang="en-US" dirty="0"/>
+          </a:p>
+          <a:p>
+            <a:endParaRPr lang="en-US" dirty="0"/>
+          </a:p>
+          <a:p>
+            <a:r>
+              <a:rPr lang="en-US" dirty="0" err="1"/>
+              <a:t>iris.data</a:t>
+            </a:r>
+            <a:r>
+              <a:rPr lang="en-US" dirty="0"/>
+              <a:t>&lt;-</a:t>
+            </a:r>
+            <a:r>
+              <a:rPr lang="en-US" dirty="0" err="1"/>
+              <a:t>data.frame</a:t>
+            </a:r>
+            <a:r>
+              <a:rPr lang="en-US" dirty="0"/>
+              <a:t>(</a:t>
+            </a:r>
+          </a:p>
+          <a:p>
+            <a:r>
+              <a:rPr lang="en-US" dirty="0"/>
+              <a:t>  </a:t>
+            </a:r>
+            <a:r>
+              <a:rPr lang="en-US" dirty="0" err="1"/>
+              <a:t>sepal_length</a:t>
+            </a:r>
+            <a:r>
+              <a:rPr lang="en-US" dirty="0"/>
+              <a:t>,</a:t>
+            </a:r>
+          </a:p>
+          <a:p>
+            <a:r>
+              <a:rPr lang="en-US" dirty="0"/>
+              <a:t>  </a:t>
+            </a:r>
+            <a:r>
+              <a:rPr lang="en-US" dirty="0" err="1"/>
+              <a:t>sepal_width</a:t>
+            </a:r>
+            <a:r>
+              <a:rPr lang="en-US" dirty="0"/>
+              <a:t>,</a:t>
+            </a:r>
+          </a:p>
+          <a:p>
+            <a:r>
+              <a:rPr lang="en-US" dirty="0"/>
+              <a:t>  </a:t>
+            </a:r>
+            <a:r>
+              <a:rPr lang="en-US" dirty="0" err="1"/>
+              <a:t>petal_length</a:t>
+            </a:r>
+            <a:r>
+              <a:rPr lang="en-US" dirty="0"/>
+              <a:t>,</a:t>
+            </a:r>
+          </a:p>
+          <a:p>
+            <a:r>
+              <a:rPr lang="en-US" dirty="0"/>
+              <a:t>  </a:t>
+            </a:r>
+            <a:r>
+              <a:rPr lang="en-US" dirty="0" err="1"/>
+              <a:t>petal_width</a:t>
+            </a:r>
+            <a:r>
+              <a:rPr lang="en-US" dirty="0"/>
+              <a:t>,</a:t>
+            </a:r>
+          </a:p>
+          <a:p>
+            <a:r>
+              <a:rPr lang="en-US" dirty="0"/>
+              <a:t>  species</a:t>
+            </a:r>
+          </a:p>
+          <a:p>
+            <a:r>
+              <a:rPr lang="en-US" dirty="0"/>
+              <a:t>)</a:t>
+            </a:r>
+          </a:p>
+          <a:p>
+            <a:r>
+              <a:rPr lang="en-US" dirty="0"/>
+              <a:t>print(</a:t>
+            </a:r>
+            <a:r>
+              <a:rPr lang="en-US" dirty="0" err="1"/>
+              <a:t>iris.data</a:t>
+            </a:r>
+            <a:r>
+              <a:rPr lang="en-US" dirty="0"/>
+              <a:t>)</a:t>
+            </a:r>
+          </a:p>
+          <a:p>
+            <a:r>
+              <a:rPr lang="en-US" dirty="0"/>
+              <a:t>print(summary(</a:t>
+            </a:r>
+            <a:r>
+              <a:rPr lang="en-US" dirty="0" err="1"/>
+              <a:t>iris.data</a:t>
+            </a:r>
+            <a:r>
+              <a:rPr lang="en-US" dirty="0"/>
+              <a:t>))</a:t>
+            </a:r>
+          </a:p>
+        </p:txBody>
+      </p:sp>
+      <p:sp>
+        <p:nvSpPr>
+          <p:cNvPr id="4" name="TextBox 3">
+            <a:extLst>
+              <a:ext uri="{FF2B5EF4-FFF2-40B4-BE49-F238E27FC236}">
+                <a16:creationId xmlns:a16="http://schemas.microsoft.com/office/drawing/2014/main" id="{EDA20DAB-67A5-450F-AA59-892490F11D6E}"/>
+              </a:ext>
+            </a:extLst>
+          </p:cNvPr>
+          <p:cNvSpPr txBox="1"/>
+          <p:nvPr/>
+        </p:nvSpPr>
+        <p:spPr>
+          <a:xfrm>
+            <a:off x="8532358" y="2006600"/>
+            <a:ext cx="2286000" cy="1200329"/>
+          </a:xfrm>
+          <a:prstGeom prst="rect">
+            <a:avLst/>
+          </a:prstGeom>
+          <a:noFill/>
+        </p:spPr>
+        <p:txBody>
+          <a:bodyPr wrap="square" rtlCol="0">
+            <a:spAutoFit/>
+          </a:bodyPr>
+          <a:lstStyle/>
+          <a:p>
+            <a:r>
+              <a:rPr lang="en-US" dirty="0">
+                <a:solidFill>
+                  <a:srgbClr val="FF0000"/>
+                </a:solidFill>
+              </a:rPr>
+              <a:t>$ subsets each column by its header and later is used to create new data frame</a:t>
+            </a:r>
+          </a:p>
+        </p:txBody>
+      </p:sp>
+      <p:sp>
+        <p:nvSpPr>
+          <p:cNvPr id="16" name="TextBox 15">
+            <a:hlinkClick r:id="rId2"/>
+            <a:extLst>
+              <a:ext uri="{FF2B5EF4-FFF2-40B4-BE49-F238E27FC236}">
+                <a16:creationId xmlns:a16="http://schemas.microsoft.com/office/drawing/2014/main" id="{E27C1B1F-FC44-4EB0-A8BC-031E45652A8C}"/>
+              </a:ext>
+            </a:extLst>
+          </p:cNvPr>
+          <p:cNvSpPr txBox="1"/>
+          <p:nvPr/>
+        </p:nvSpPr>
+        <p:spPr>
+          <a:xfrm>
+            <a:off x="2298700" y="6112274"/>
+            <a:ext cx="8394700" cy="646331"/>
+          </a:xfrm>
+          <a:prstGeom prst="rect">
+            <a:avLst/>
+          </a:prstGeom>
+          <a:noFill/>
+        </p:spPr>
+        <p:txBody>
+          <a:bodyPr wrap="square">
+            <a:spAutoFit/>
+          </a:bodyPr>
+          <a:lstStyle/>
+          <a:p>
+            <a:r>
+              <a:rPr lang="en-US" dirty="0">
+                <a:hlinkClick r:id="rId2"/>
+              </a:rPr>
+              <a:t>https://www.rdocumentation.org/packages/utils/versions/3.6.2/topics/read.table</a:t>
+            </a:r>
+            <a:endParaRPr lang="en-US" dirty="0"/>
+          </a:p>
+          <a:p>
+            <a:endParaRPr lang="en-US" dirty="0"/>
+          </a:p>
+        </p:txBody>
+      </p:sp>
+    </p:spTree>
+    <p:extLst>
+      <p:ext uri="{BB962C8B-B14F-4D97-AF65-F5344CB8AC3E}">
+        <p14:creationId xmlns:p14="http://schemas.microsoft.com/office/powerpoint/2010/main" val="1921385602"/>
+      </p:ext>
+    </p:extLst>
+  </p:cSld>
+  <p:clrMapOvr>
+    <a:masterClrMapping/>
+  </p:clrMapOvr>
+  <p:timing>
+    <p:tnLst>
+      <p:par>
+        <p:cTn id="1" dur="indefinite" restart="never" nodeType="tmRoot"/>
+      </p:par>
+    </p:tnLst>
+  </p:timing>
+</p:sld>
+</file>
+
+<file path=ppt/slides/slide11.xml><?xml version="1.0" encoding="utf-8"?>
+<p:sld xmlns:a="http://schemas.openxmlformats.org/drawingml/2006/main" xmlns:r="http://schemas.openxmlformats.org/officeDocument/2006/relationships" xmlns:p="http://schemas.openxmlformats.org/presentationml/2006/main">
+  <p:cSld>
+    <p:bg>
+      <p:bgPr>
+        <a:solidFill>
+          <a:schemeClr val="accent6">
+            <a:lumMod val="20000"/>
+            <a:lumOff val="80000"/>
+          </a:schemeClr>
+        </a:solidFill>
+        <a:effectLst/>
+      </p:bgPr>
+    </p:bg>
+    <p:spTree>
+      <p:nvGrpSpPr>
+        <p:cNvPr id="1" name=""/>
+        <p:cNvGrpSpPr/>
+        <p:nvPr/>
+      </p:nvGrpSpPr>
+      <p:grpSpPr>
+        <a:xfrm>
+          <a:off x="0" y="0"/>
+          <a:ext cx="0" cy="0"/>
+          <a:chOff x="0" y="0"/>
+          <a:chExt cx="0" cy="0"/>
+        </a:xfrm>
+      </p:grpSpPr>
+      <p:sp>
+        <p:nvSpPr>
+          <p:cNvPr id="13" name="TextBox 12">
+            <a:extLst>
+              <a:ext uri="{FF2B5EF4-FFF2-40B4-BE49-F238E27FC236}">
+                <a16:creationId xmlns:a16="http://schemas.microsoft.com/office/drawing/2014/main" id="{FD3C69C3-2E81-4117-B0CF-770092337A5F}"/>
+              </a:ext>
+            </a:extLst>
+          </p:cNvPr>
+          <p:cNvSpPr txBox="1"/>
+          <p:nvPr/>
+        </p:nvSpPr>
+        <p:spPr>
+          <a:xfrm>
+            <a:off x="4942766" y="414635"/>
+            <a:ext cx="2007281" cy="523220"/>
+          </a:xfrm>
+          <a:prstGeom prst="rect">
+            <a:avLst/>
+          </a:prstGeom>
+          <a:noFill/>
+        </p:spPr>
+        <p:txBody>
+          <a:bodyPr wrap="none" rtlCol="0">
+            <a:spAutoFit/>
+          </a:bodyPr>
+          <a:lstStyle/>
+          <a:p>
+            <a:r>
+              <a:rPr lang="en-US" sz="2800" dirty="0"/>
+              <a:t>R – basic I/O</a:t>
+            </a:r>
+          </a:p>
+        </p:txBody>
+      </p:sp>
+      <p:sp>
+        <p:nvSpPr>
+          <p:cNvPr id="4" name="TextBox 3">
+            <a:extLst>
+              <a:ext uri="{FF2B5EF4-FFF2-40B4-BE49-F238E27FC236}">
+                <a16:creationId xmlns:a16="http://schemas.microsoft.com/office/drawing/2014/main" id="{EDA20DAB-67A5-450F-AA59-892490F11D6E}"/>
+              </a:ext>
+            </a:extLst>
+          </p:cNvPr>
+          <p:cNvSpPr txBox="1"/>
+          <p:nvPr/>
+        </p:nvSpPr>
+        <p:spPr>
+          <a:xfrm>
+            <a:off x="7910058" y="2606763"/>
+            <a:ext cx="2286000" cy="1200329"/>
+          </a:xfrm>
+          <a:prstGeom prst="rect">
+            <a:avLst/>
+          </a:prstGeom>
+          <a:noFill/>
+        </p:spPr>
+        <p:txBody>
+          <a:bodyPr wrap="square" rtlCol="0">
+            <a:spAutoFit/>
+          </a:bodyPr>
+          <a:lstStyle/>
+          <a:p>
+            <a:r>
+              <a:rPr lang="en-US" dirty="0">
+                <a:solidFill>
+                  <a:srgbClr val="FF0000"/>
+                </a:solidFill>
+              </a:rPr>
+              <a:t>Sink() function can be used to divert output to the R console to be stored in a text file </a:t>
+            </a:r>
+          </a:p>
+        </p:txBody>
+      </p:sp>
+      <p:sp>
+        <p:nvSpPr>
+          <p:cNvPr id="7" name="TextBox 6">
+            <a:extLst>
+              <a:ext uri="{FF2B5EF4-FFF2-40B4-BE49-F238E27FC236}">
+                <a16:creationId xmlns:a16="http://schemas.microsoft.com/office/drawing/2014/main" id="{A9B60633-8A32-4EAD-ACB0-F843331C66A8}"/>
+              </a:ext>
+            </a:extLst>
+          </p:cNvPr>
+          <p:cNvSpPr txBox="1"/>
+          <p:nvPr/>
+        </p:nvSpPr>
+        <p:spPr>
+          <a:xfrm>
+            <a:off x="1028700" y="1914267"/>
+            <a:ext cx="6096000" cy="2585323"/>
+          </a:xfrm>
+          <a:prstGeom prst="rect">
+            <a:avLst/>
+          </a:prstGeom>
+          <a:noFill/>
+          <a:ln>
+            <a:solidFill>
+              <a:schemeClr val="tx1"/>
+            </a:solidFill>
+          </a:ln>
+        </p:spPr>
+        <p:txBody>
+          <a:bodyPr wrap="square">
+            <a:spAutoFit/>
+          </a:bodyPr>
+          <a:lstStyle/>
+          <a:p>
+            <a:r>
+              <a:rPr lang="en-US" dirty="0">
+                <a:solidFill>
+                  <a:schemeClr val="accent6">
+                    <a:lumMod val="75000"/>
+                  </a:schemeClr>
+                </a:solidFill>
+              </a:rPr>
+              <a:t># print means, ANOVA test, and summary to external file</a:t>
+            </a:r>
+          </a:p>
+          <a:p>
+            <a:r>
+              <a:rPr lang="en-US" dirty="0"/>
+              <a:t>sink(file = '/home/</a:t>
+            </a:r>
+            <a:r>
+              <a:rPr lang="en-US" dirty="0" err="1"/>
+              <a:t>microcarbon</a:t>
+            </a:r>
+            <a:r>
+              <a:rPr lang="en-US" dirty="0"/>
+              <a:t>/Desktop/meansIRIS.txt')</a:t>
+            </a:r>
+          </a:p>
+          <a:p>
+            <a:r>
+              <a:rPr lang="en-US" dirty="0"/>
+              <a:t>print(</a:t>
+            </a:r>
+            <a:r>
+              <a:rPr lang="en-US" dirty="0" err="1"/>
+              <a:t>iris.means</a:t>
+            </a:r>
+            <a:r>
+              <a:rPr lang="en-US" dirty="0"/>
+              <a:t>)</a:t>
+            </a:r>
+          </a:p>
+          <a:p>
+            <a:r>
+              <a:rPr lang="en-US" dirty="0"/>
+              <a:t>print(summary(</a:t>
+            </a:r>
+            <a:r>
+              <a:rPr lang="en-US" dirty="0" err="1"/>
+              <a:t>iris.means</a:t>
+            </a:r>
+            <a:r>
+              <a:rPr lang="en-US" dirty="0"/>
+              <a:t>))</a:t>
+            </a:r>
+          </a:p>
+          <a:p>
+            <a:r>
+              <a:rPr lang="en-US" dirty="0"/>
+              <a:t>print(</a:t>
+            </a:r>
+            <a:r>
+              <a:rPr lang="en-US" dirty="0" err="1"/>
+              <a:t>sepal_length.anova</a:t>
+            </a:r>
+            <a:r>
+              <a:rPr lang="en-US" dirty="0"/>
+              <a:t>)</a:t>
+            </a:r>
+          </a:p>
+          <a:p>
+            <a:r>
+              <a:rPr lang="en-US" dirty="0"/>
+              <a:t>print(</a:t>
+            </a:r>
+            <a:r>
+              <a:rPr lang="en-US" dirty="0" err="1"/>
+              <a:t>sepal_width.anova</a:t>
+            </a:r>
+            <a:r>
+              <a:rPr lang="en-US" dirty="0"/>
+              <a:t>)</a:t>
+            </a:r>
+          </a:p>
+          <a:p>
+            <a:r>
+              <a:rPr lang="en-US" dirty="0"/>
+              <a:t>print(</a:t>
+            </a:r>
+            <a:r>
+              <a:rPr lang="en-US" dirty="0" err="1"/>
+              <a:t>petal_length.anova</a:t>
+            </a:r>
+            <a:r>
+              <a:rPr lang="en-US" dirty="0"/>
+              <a:t>)</a:t>
+            </a:r>
+          </a:p>
+          <a:p>
+            <a:r>
+              <a:rPr lang="en-US" dirty="0"/>
+              <a:t>print(</a:t>
+            </a:r>
+            <a:r>
+              <a:rPr lang="en-US" dirty="0" err="1"/>
+              <a:t>petal_width.anova</a:t>
+            </a:r>
+            <a:r>
+              <a:rPr lang="en-US" dirty="0"/>
+              <a:t>)</a:t>
+            </a:r>
+          </a:p>
+          <a:p>
+            <a:r>
+              <a:rPr lang="en-US" dirty="0"/>
+              <a:t>sink()</a:t>
+            </a:r>
+          </a:p>
+        </p:txBody>
+      </p:sp>
+    </p:spTree>
+    <p:extLst>
+      <p:ext uri="{BB962C8B-B14F-4D97-AF65-F5344CB8AC3E}">
+        <p14:creationId xmlns:p14="http://schemas.microsoft.com/office/powerpoint/2010/main" val="806821756"/>
+      </p:ext>
+    </p:extLst>
+  </p:cSld>
+  <p:clrMapOvr>
+    <a:masterClrMapping/>
+  </p:clrMapOvr>
+  <p:timing>
+    <p:tnLst>
+      <p:par>
+        <p:cTn id="1" dur="indefinite" restart="never" nodeType="tmRoot"/>
+      </p:par>
+    </p:tnLst>
+  </p:timing>
+</p:sld>
+</file>
+
+<file path=ppt/slides/slide12.xml><?xml version="1.0" encoding="utf-8"?>
+<p:sld xmlns:a="http://schemas.openxmlformats.org/drawingml/2006/main" xmlns:r="http://schemas.openxmlformats.org/officeDocument/2006/relationships" xmlns:p="http://schemas.openxmlformats.org/presentationml/2006/main">
+  <p:cSld>
+    <p:bg>
+      <p:bgPr>
+        <a:solidFill>
+          <a:schemeClr val="accent6">
+            <a:lumMod val="20000"/>
+            <a:lumOff val="80000"/>
+          </a:schemeClr>
+        </a:solidFill>
+        <a:effectLst/>
+      </p:bgPr>
+    </p:bg>
+    <p:spTree>
+      <p:nvGrpSpPr>
+        <p:cNvPr id="1" name=""/>
+        <p:cNvGrpSpPr/>
+        <p:nvPr/>
+      </p:nvGrpSpPr>
+      <p:grpSpPr>
+        <a:xfrm>
+          <a:off x="0" y="0"/>
+          <a:ext cx="0" cy="0"/>
+          <a:chOff x="0" y="0"/>
+          <a:chExt cx="0" cy="0"/>
+        </a:xfrm>
+      </p:grpSpPr>
+      <p:sp>
+        <p:nvSpPr>
+          <p:cNvPr id="2" name="TextBox 1"/>
+          <p:cNvSpPr txBox="1"/>
+          <p:nvPr/>
+        </p:nvSpPr>
+        <p:spPr>
+          <a:xfrm>
+            <a:off x="3631502" y="149062"/>
+            <a:ext cx="4617867" cy="523220"/>
+          </a:xfrm>
+          <a:prstGeom prst="rect">
+            <a:avLst/>
+          </a:prstGeom>
+          <a:noFill/>
+        </p:spPr>
+        <p:txBody>
+          <a:bodyPr wrap="none" rtlCol="0">
+            <a:spAutoFit/>
+          </a:bodyPr>
+          <a:lstStyle/>
+          <a:p>
+            <a:r>
+              <a:rPr lang="en-US" sz="2800" dirty="0"/>
+              <a:t>R – anatomy of a basic R script</a:t>
+            </a:r>
+          </a:p>
+        </p:txBody>
+      </p:sp>
+      <p:sp>
+        <p:nvSpPr>
+          <p:cNvPr id="8" name="TextBox 7">
+            <a:hlinkClick r:id="rId2"/>
+            <a:extLst>
+              <a:ext uri="{FF2B5EF4-FFF2-40B4-BE49-F238E27FC236}">
+                <a16:creationId xmlns:a16="http://schemas.microsoft.com/office/drawing/2014/main" id="{507A534A-E36F-4240-AEBF-00401B706F35}"/>
+              </a:ext>
+            </a:extLst>
+          </p:cNvPr>
+          <p:cNvSpPr txBox="1"/>
+          <p:nvPr/>
+        </p:nvSpPr>
+        <p:spPr>
+          <a:xfrm>
+            <a:off x="2734420" y="950256"/>
+            <a:ext cx="7442200" cy="646331"/>
+          </a:xfrm>
+          <a:prstGeom prst="rect">
+            <a:avLst/>
+          </a:prstGeom>
+          <a:noFill/>
+        </p:spPr>
+        <p:txBody>
+          <a:bodyPr wrap="square">
+            <a:spAutoFit/>
+          </a:bodyPr>
+          <a:lstStyle/>
+          <a:p>
+            <a:r>
+              <a:rPr lang="en-US" dirty="0">
+                <a:hlinkClick r:id="rId2"/>
+              </a:rPr>
+              <a:t>https://github.com/gbabbitt/RocASAsamples/blob/main/iris_code.R</a:t>
+            </a:r>
+            <a:endParaRPr lang="en-US" dirty="0"/>
+          </a:p>
+          <a:p>
+            <a:endParaRPr lang="en-US" dirty="0"/>
+          </a:p>
+        </p:txBody>
+      </p:sp>
+      <p:sp>
+        <p:nvSpPr>
+          <p:cNvPr id="10" name="TextBox 9">
+            <a:hlinkClick r:id="rId3"/>
+            <a:extLst>
+              <a:ext uri="{FF2B5EF4-FFF2-40B4-BE49-F238E27FC236}">
+                <a16:creationId xmlns:a16="http://schemas.microsoft.com/office/drawing/2014/main" id="{5F18CFE3-901F-4D49-9BB0-0796D6D87C22}"/>
+              </a:ext>
+            </a:extLst>
+          </p:cNvPr>
+          <p:cNvSpPr txBox="1"/>
+          <p:nvPr/>
+        </p:nvSpPr>
+        <p:spPr>
+          <a:xfrm>
+            <a:off x="3906677" y="1551395"/>
+            <a:ext cx="4509198" cy="646331"/>
+          </a:xfrm>
+          <a:prstGeom prst="rect">
+            <a:avLst/>
+          </a:prstGeom>
+          <a:noFill/>
+        </p:spPr>
+        <p:txBody>
+          <a:bodyPr wrap="square">
+            <a:spAutoFit/>
+          </a:bodyPr>
+          <a:lstStyle/>
+          <a:p>
+            <a:r>
+              <a:rPr lang="en-US" dirty="0">
+                <a:hlinkClick r:id="rId3"/>
+              </a:rPr>
+              <a:t>https://gbabbitt.github.io/RocASAsamples/</a:t>
+            </a:r>
+            <a:endParaRPr lang="en-US" dirty="0"/>
+          </a:p>
+          <a:p>
+            <a:endParaRPr lang="en-US" dirty="0"/>
+          </a:p>
+        </p:txBody>
+      </p:sp>
+      <p:sp>
+        <p:nvSpPr>
+          <p:cNvPr id="11" name="TextBox 10">
+            <a:extLst>
+              <a:ext uri="{FF2B5EF4-FFF2-40B4-BE49-F238E27FC236}">
+                <a16:creationId xmlns:a16="http://schemas.microsoft.com/office/drawing/2014/main" id="{B9C16F4F-04D3-4930-8609-A1B60DFB4DF2}"/>
+              </a:ext>
+            </a:extLst>
+          </p:cNvPr>
+          <p:cNvSpPr txBox="1"/>
+          <p:nvPr/>
+        </p:nvSpPr>
+        <p:spPr>
+          <a:xfrm>
+            <a:off x="4435048" y="1285277"/>
+            <a:ext cx="3119444" cy="369332"/>
+          </a:xfrm>
+          <a:prstGeom prst="rect">
+            <a:avLst/>
+          </a:prstGeom>
+          <a:noFill/>
+        </p:spPr>
+        <p:txBody>
+          <a:bodyPr wrap="none" rtlCol="0">
+            <a:spAutoFit/>
+          </a:bodyPr>
+          <a:lstStyle/>
+          <a:p>
+            <a:r>
+              <a:rPr lang="en-US" dirty="0">
+                <a:solidFill>
+                  <a:srgbClr val="FF0000"/>
+                </a:solidFill>
+              </a:rPr>
+              <a:t>Dr Babbitt’s starter code library</a:t>
+            </a:r>
+          </a:p>
+        </p:txBody>
+      </p:sp>
+      <p:sp>
+        <p:nvSpPr>
+          <p:cNvPr id="12" name="TextBox 11">
+            <a:extLst>
+              <a:ext uri="{FF2B5EF4-FFF2-40B4-BE49-F238E27FC236}">
+                <a16:creationId xmlns:a16="http://schemas.microsoft.com/office/drawing/2014/main" id="{D382DA10-528F-452B-888C-89A58A8BBB53}"/>
+              </a:ext>
+            </a:extLst>
+          </p:cNvPr>
+          <p:cNvSpPr txBox="1"/>
+          <p:nvPr/>
+        </p:nvSpPr>
+        <p:spPr>
+          <a:xfrm>
+            <a:off x="3740171" y="672282"/>
+            <a:ext cx="4675704" cy="369332"/>
+          </a:xfrm>
+          <a:prstGeom prst="rect">
+            <a:avLst/>
+          </a:prstGeom>
+          <a:noFill/>
+        </p:spPr>
+        <p:txBody>
+          <a:bodyPr wrap="none" rtlCol="0">
+            <a:spAutoFit/>
+          </a:bodyPr>
+          <a:lstStyle/>
+          <a:p>
+            <a:r>
+              <a:rPr lang="en-US" dirty="0">
+                <a:solidFill>
+                  <a:srgbClr val="FF0000"/>
+                </a:solidFill>
+              </a:rPr>
+              <a:t>Starter code example for anatomy of an R script</a:t>
+            </a:r>
+          </a:p>
+        </p:txBody>
+      </p:sp>
+      <p:pic>
+        <p:nvPicPr>
+          <p:cNvPr id="3" name="Picture 2" descr="Basic Analysis of the Iris Data set Using Python ..."/>
+          <p:cNvPicPr>
+            <a:picLocks noChangeAspect="1"/>
+          </p:cNvPicPr>
+          <p:nvPr/>
+        </p:nvPicPr>
+        <p:blipFill>
+          <a:blip r:embed="rId4">
+            <a:extLst>
+              <a:ext uri="{28A0092B-C50C-407E-A947-70E740481C1C}">
+                <a14:useLocalDpi xmlns:a14="http://schemas.microsoft.com/office/drawing/2010/main" val="0"/>
+              </a:ext>
+            </a:extLst>
+          </a:blip>
+          <a:stretch>
+            <a:fillRect/>
+          </a:stretch>
+        </p:blipFill>
+        <p:spPr>
+          <a:xfrm>
+            <a:off x="125181" y="2018004"/>
+            <a:ext cx="5952842" cy="4475018"/>
+          </a:xfrm>
+          <a:prstGeom prst="rect">
+            <a:avLst/>
+          </a:prstGeom>
+        </p:spPr>
+      </p:pic>
+      <p:pic>
+        <p:nvPicPr>
+          <p:cNvPr id="4" name="Picture 3" descr="Exploratory Data Analysis: Uni-variate analysis of Iris ..."/>
+          <p:cNvPicPr>
+            <a:picLocks noChangeAspect="1"/>
+          </p:cNvPicPr>
+          <p:nvPr/>
+        </p:nvPicPr>
+        <p:blipFill rotWithShape="1">
+          <a:blip r:embed="rId5">
+            <a:extLst>
+              <a:ext uri="{28A0092B-C50C-407E-A947-70E740481C1C}">
+                <a14:useLocalDpi xmlns:a14="http://schemas.microsoft.com/office/drawing/2010/main" val="0"/>
+              </a:ext>
+            </a:extLst>
+          </a:blip>
+          <a:srcRect l="7791" t="15075" r="9510" b="3499"/>
+          <a:stretch/>
+        </p:blipFill>
+        <p:spPr>
+          <a:xfrm>
+            <a:off x="6369853" y="2222944"/>
+            <a:ext cx="5504874" cy="4065138"/>
+          </a:xfrm>
+          <a:prstGeom prst="rect">
+            <a:avLst/>
+          </a:prstGeom>
+        </p:spPr>
+      </p:pic>
+    </p:spTree>
+    <p:extLst>
+      <p:ext uri="{BB962C8B-B14F-4D97-AF65-F5344CB8AC3E}">
+        <p14:creationId xmlns:p14="http://schemas.microsoft.com/office/powerpoint/2010/main" val="2031736074"/>
+      </p:ext>
+    </p:extLst>
+  </p:cSld>
+  <p:clrMapOvr>
+    <a:masterClrMapping/>
+  </p:clrMapOvr>
+  <p:timing>
+    <p:tnLst>
+      <p:par>
+        <p:cTn id="1" dur="indefinite" restart="never" nodeType="tmRoot"/>
+      </p:par>
+    </p:tnLst>
+  </p:timing>
+</p:sld>
+</file>
+
+<file path=ppt/slides/slide13.xml><?xml version="1.0" encoding="utf-8"?>
+<p:sld xmlns:a="http://schemas.openxmlformats.org/drawingml/2006/main" xmlns:r="http://schemas.openxmlformats.org/officeDocument/2006/relationships" xmlns:p="http://schemas.openxmlformats.org/presentationml/2006/main">
+  <p:cSld>
+    <p:bg>
+      <p:bgPr>
+        <a:solidFill>
+          <a:schemeClr val="accent6">
+            <a:lumMod val="20000"/>
+            <a:lumOff val="80000"/>
+          </a:schemeClr>
+        </a:solidFill>
+        <a:effectLst/>
+      </p:bgPr>
+    </p:bg>
+    <p:spTree>
+      <p:nvGrpSpPr>
+        <p:cNvPr id="1" name=""/>
+        <p:cNvGrpSpPr/>
+        <p:nvPr/>
+      </p:nvGrpSpPr>
+      <p:grpSpPr>
+        <a:xfrm>
+          <a:off x="0" y="0"/>
+          <a:ext cx="0" cy="0"/>
+          <a:chOff x="0" y="0"/>
+          <a:chExt cx="0" cy="0"/>
+        </a:xfrm>
+      </p:grpSpPr>
+      <p:sp>
+        <p:nvSpPr>
+          <p:cNvPr id="2" name="TextBox 1"/>
+          <p:cNvSpPr txBox="1"/>
+          <p:nvPr/>
+        </p:nvSpPr>
+        <p:spPr>
+          <a:xfrm>
+            <a:off x="3631502" y="149062"/>
+            <a:ext cx="4617867" cy="523220"/>
+          </a:xfrm>
+          <a:prstGeom prst="rect">
+            <a:avLst/>
+          </a:prstGeom>
+          <a:noFill/>
+        </p:spPr>
+        <p:txBody>
+          <a:bodyPr wrap="none" rtlCol="0">
+            <a:spAutoFit/>
+          </a:bodyPr>
+          <a:lstStyle/>
+          <a:p>
+            <a:r>
+              <a:rPr lang="en-US" sz="2800" dirty="0"/>
+              <a:t>R – anatomy of a basic R script</a:t>
+            </a:r>
+          </a:p>
+        </p:txBody>
+      </p:sp>
+      <p:sp>
+        <p:nvSpPr>
+          <p:cNvPr id="8" name="TextBox 7">
+            <a:hlinkClick r:id="rId2"/>
+            <a:extLst>
+              <a:ext uri="{FF2B5EF4-FFF2-40B4-BE49-F238E27FC236}">
+                <a16:creationId xmlns:a16="http://schemas.microsoft.com/office/drawing/2014/main" id="{507A534A-E36F-4240-AEBF-00401B706F35}"/>
+              </a:ext>
+            </a:extLst>
+          </p:cNvPr>
+          <p:cNvSpPr txBox="1"/>
+          <p:nvPr/>
+        </p:nvSpPr>
+        <p:spPr>
+          <a:xfrm>
+            <a:off x="2734420" y="950256"/>
+            <a:ext cx="7442200" cy="646331"/>
+          </a:xfrm>
+          <a:prstGeom prst="rect">
+            <a:avLst/>
+          </a:prstGeom>
+          <a:noFill/>
+        </p:spPr>
+        <p:txBody>
+          <a:bodyPr wrap="square">
+            <a:spAutoFit/>
+          </a:bodyPr>
+          <a:lstStyle/>
+          <a:p>
+            <a:r>
+              <a:rPr lang="en-US" dirty="0">
+                <a:hlinkClick r:id="rId2"/>
+              </a:rPr>
+              <a:t>https://github.com/gbabbitt/RocASAsamples/blob/main/iris_code.R</a:t>
+            </a:r>
+            <a:endParaRPr lang="en-US" dirty="0"/>
+          </a:p>
+          <a:p>
+            <a:endParaRPr lang="en-US" dirty="0"/>
+          </a:p>
+        </p:txBody>
+      </p:sp>
+      <p:sp>
+        <p:nvSpPr>
+          <p:cNvPr id="10" name="TextBox 9">
+            <a:hlinkClick r:id="rId3"/>
+            <a:extLst>
+              <a:ext uri="{FF2B5EF4-FFF2-40B4-BE49-F238E27FC236}">
+                <a16:creationId xmlns:a16="http://schemas.microsoft.com/office/drawing/2014/main" id="{5F18CFE3-901F-4D49-9BB0-0796D6D87C22}"/>
+              </a:ext>
+            </a:extLst>
+          </p:cNvPr>
+          <p:cNvSpPr txBox="1"/>
+          <p:nvPr/>
+        </p:nvSpPr>
+        <p:spPr>
+          <a:xfrm>
+            <a:off x="3906677" y="1551395"/>
+            <a:ext cx="4509198" cy="646331"/>
+          </a:xfrm>
+          <a:prstGeom prst="rect">
+            <a:avLst/>
+          </a:prstGeom>
+          <a:noFill/>
+        </p:spPr>
+        <p:txBody>
+          <a:bodyPr wrap="square">
+            <a:spAutoFit/>
+          </a:bodyPr>
+          <a:lstStyle/>
+          <a:p>
+            <a:r>
+              <a:rPr lang="en-US" dirty="0">
+                <a:hlinkClick r:id="rId3"/>
+              </a:rPr>
+              <a:t>https://gbabbitt.github.io/RocASAsamples/</a:t>
+            </a:r>
+            <a:endParaRPr lang="en-US" dirty="0"/>
+          </a:p>
+          <a:p>
+            <a:endParaRPr lang="en-US" dirty="0"/>
+          </a:p>
+        </p:txBody>
+      </p:sp>
+      <p:sp>
+        <p:nvSpPr>
+          <p:cNvPr id="11" name="TextBox 10">
+            <a:extLst>
+              <a:ext uri="{FF2B5EF4-FFF2-40B4-BE49-F238E27FC236}">
+                <a16:creationId xmlns:a16="http://schemas.microsoft.com/office/drawing/2014/main" id="{B9C16F4F-04D3-4930-8609-A1B60DFB4DF2}"/>
+              </a:ext>
+            </a:extLst>
+          </p:cNvPr>
+          <p:cNvSpPr txBox="1"/>
+          <p:nvPr/>
+        </p:nvSpPr>
+        <p:spPr>
+          <a:xfrm>
+            <a:off x="4435048" y="1285277"/>
+            <a:ext cx="3119444" cy="369332"/>
+          </a:xfrm>
+          <a:prstGeom prst="rect">
+            <a:avLst/>
+          </a:prstGeom>
+          <a:noFill/>
+        </p:spPr>
+        <p:txBody>
+          <a:bodyPr wrap="none" rtlCol="0">
+            <a:spAutoFit/>
+          </a:bodyPr>
+          <a:lstStyle/>
+          <a:p>
+            <a:r>
+              <a:rPr lang="en-US" dirty="0">
+                <a:solidFill>
+                  <a:srgbClr val="FF0000"/>
+                </a:solidFill>
+              </a:rPr>
+              <a:t>Dr Babbitt’s starter code library</a:t>
+            </a:r>
+          </a:p>
+        </p:txBody>
+      </p:sp>
+      <p:sp>
+        <p:nvSpPr>
+          <p:cNvPr id="12" name="TextBox 11">
+            <a:extLst>
+              <a:ext uri="{FF2B5EF4-FFF2-40B4-BE49-F238E27FC236}">
+                <a16:creationId xmlns:a16="http://schemas.microsoft.com/office/drawing/2014/main" id="{D382DA10-528F-452B-888C-89A58A8BBB53}"/>
+              </a:ext>
+            </a:extLst>
+          </p:cNvPr>
+          <p:cNvSpPr txBox="1"/>
+          <p:nvPr/>
+        </p:nvSpPr>
+        <p:spPr>
+          <a:xfrm>
+            <a:off x="3740171" y="672282"/>
+            <a:ext cx="4675704" cy="369332"/>
+          </a:xfrm>
+          <a:prstGeom prst="rect">
+            <a:avLst/>
+          </a:prstGeom>
+          <a:noFill/>
+        </p:spPr>
+        <p:txBody>
+          <a:bodyPr wrap="none" rtlCol="0">
+            <a:spAutoFit/>
+          </a:bodyPr>
+          <a:lstStyle/>
+          <a:p>
+            <a:r>
+              <a:rPr lang="en-US" dirty="0">
+                <a:solidFill>
+                  <a:srgbClr val="FF0000"/>
+                </a:solidFill>
+              </a:rPr>
+              <a:t>Starter code example for anatomy of an R script</a:t>
+            </a:r>
+          </a:p>
+        </p:txBody>
+      </p:sp>
+      <p:pic>
+        <p:nvPicPr>
+          <p:cNvPr id="3" name="Picture 2" descr="Basic Analysis of the Iris Data set Using Python ..."/>
+          <p:cNvPicPr>
+            <a:picLocks noChangeAspect="1"/>
+          </p:cNvPicPr>
+          <p:nvPr/>
+        </p:nvPicPr>
+        <p:blipFill>
+          <a:blip r:embed="rId4">
+            <a:extLst>
+              <a:ext uri="{28A0092B-C50C-407E-A947-70E740481C1C}">
+                <a14:useLocalDpi xmlns:a14="http://schemas.microsoft.com/office/drawing/2010/main" val="0"/>
+              </a:ext>
+            </a:extLst>
+          </a:blip>
+          <a:stretch>
+            <a:fillRect/>
+          </a:stretch>
+        </p:blipFill>
+        <p:spPr>
+          <a:xfrm>
+            <a:off x="41928" y="2059227"/>
+            <a:ext cx="5952842" cy="4475018"/>
+          </a:xfrm>
+          <a:prstGeom prst="rect">
+            <a:avLst/>
+          </a:prstGeom>
+        </p:spPr>
+      </p:pic>
+      <p:pic>
+        <p:nvPicPr>
+          <p:cNvPr id="9" name="Picture 8" descr="Statistical Graphics Using ODS: Grouped Scatter Plot with ..."/>
+          <p:cNvPicPr>
+            <a:picLocks noChangeAspect="1"/>
+          </p:cNvPicPr>
+          <p:nvPr/>
+        </p:nvPicPr>
+        <p:blipFill>
+          <a:blip r:embed="rId5">
+            <a:extLst>
+              <a:ext uri="{28A0092B-C50C-407E-A947-70E740481C1C}">
+                <a14:useLocalDpi xmlns:a14="http://schemas.microsoft.com/office/drawing/2010/main" val="0"/>
+              </a:ext>
+            </a:extLst>
+          </a:blip>
+          <a:stretch>
+            <a:fillRect/>
+          </a:stretch>
+        </p:blipFill>
+        <p:spPr>
+          <a:xfrm>
+            <a:off x="6161276" y="2103219"/>
+            <a:ext cx="5730743" cy="4292526"/>
+          </a:xfrm>
+          <a:prstGeom prst="rect">
+            <a:avLst/>
+          </a:prstGeom>
+        </p:spPr>
+      </p:pic>
+    </p:spTree>
+    <p:extLst>
+      <p:ext uri="{BB962C8B-B14F-4D97-AF65-F5344CB8AC3E}">
+        <p14:creationId xmlns:p14="http://schemas.microsoft.com/office/powerpoint/2010/main" val="333949136"/>
+      </p:ext>
+    </p:extLst>
+  </p:cSld>
+  <p:clrMapOvr>
+    <a:masterClrMapping/>
+  </p:clrMapOvr>
+  <p:timing>
+    <p:tnLst>
+      <p:par>
+        <p:cTn id="1" dur="indefinite" restart="never" nodeType="tmRoot"/>
+      </p:par>
+    </p:tnLst>
+  </p:timing>
+</p:sld>
+</file>
+
+<file path=ppt/slides/slide2.xml><?xml version="1.0" encoding="utf-8"?>
+<p:sld xmlns:a="http://schemas.openxmlformats.org/drawingml/2006/main" xmlns:r="http://schemas.openxmlformats.org/officeDocument/2006/relationships" xmlns:p="http://schemas.openxmlformats.org/presentationml/2006/main">
+  <p:cSld>
+    <p:bg>
+      <p:bgPr>
+        <a:solidFill>
+          <a:schemeClr val="accent6">
+            <a:lumMod val="60000"/>
+            <a:lumOff val="40000"/>
+          </a:schemeClr>
+        </a:solidFill>
+        <a:effectLst/>
+      </p:bgPr>
+    </p:bg>
+    <p:spTree>
+      <p:nvGrpSpPr>
+        <p:cNvPr id="1" name=""/>
+        <p:cNvGrpSpPr/>
+        <p:nvPr/>
+      </p:nvGrpSpPr>
+      <p:grpSpPr>
+        <a:xfrm>
+          <a:off x="0" y="0"/>
+          <a:ext cx="0" cy="0"/>
+          <a:chOff x="0" y="0"/>
+          <a:chExt cx="0" cy="0"/>
+        </a:xfrm>
+      </p:grpSpPr>
       <p:sp>
         <p:nvSpPr>
           <p:cNvPr id="2" name="TextBox 1"/>
@@ -3124,12 +5092,16 @@
             <a:graphicFrameLocks noGrp="1"/>
           </p:cNvGraphicFramePr>
           <p:nvPr>
-            <p:extLst/>
+            <p:extLst>
+              <p:ext uri="{D42A27DB-BD31-4B8C-83A1-F6EECF244321}">
+                <p14:modId xmlns:p14="http://schemas.microsoft.com/office/powerpoint/2010/main" val="3407117054"/>
+              </p:ext>
+            </p:extLst>
           </p:nvPr>
         </p:nvGraphicFramePr>
         <p:xfrm>
           <a:off x="280590" y="1845930"/>
-          <a:ext cx="11326019" cy="4399280"/>
+          <a:ext cx="11326019" cy="4668520"/>
         </p:xfrm>
         <a:graphic>
           <a:graphicData uri="http://schemas.openxmlformats.org/drawingml/2006/table">
@@ -3357,8 +5329,21 @@
                       </a:r>
                       <a:r>
                         <a:rPr lang="en-US" dirty="0"/>
-                        <a:t>, R, JavaScript, PHP, Ruby, Lua, Groovy)</a:t>
+                        <a:t>, R, </a:t>
                       </a:r>
+                      <a:r>
+                        <a:rPr lang="en-US" dirty="0" smtClean="0"/>
+                        <a:t>Ruby</a:t>
+                      </a:r>
+                      <a:r>
+                        <a:rPr lang="en-US" dirty="0"/>
+                        <a:t>, Lua, </a:t>
+                      </a:r>
+                      <a:r>
+                        <a:rPr lang="en-US" dirty="0" smtClean="0"/>
+                        <a:t>Groovy, Node.js)</a:t>
+                      </a:r>
+                      <a:endParaRPr lang="en-US" dirty="0"/>
                     </a:p>
                   </a:txBody>
                   <a:tcPr/>
@@ -3401,6 +5386,10 @@
                     <a:bodyPr/>
                     <a:lstStyle/>
                     <a:p>
+                      <a:r>
+                        <a:rPr lang="en-US" dirty="0" smtClean="0"/>
+                        <a:t>Web browser/ server (JavaScript, PHP, Ruby on Rails) </a:t>
+                      </a:r>
                       <a:endParaRPr lang="en-US" dirty="0"/>
                     </a:p>
                   </a:txBody>
@@ -3411,6 +5400,14 @@
                     <a:bodyPr/>
                     <a:lstStyle/>
                     <a:p>
+                      <a:r>
+                        <a:rPr lang="en-US" sz="1400" dirty="0" smtClean="0"/>
+                        <a:t>Lives on client-side</a:t>
+                      </a:r>
+                      <a:r>
+                        <a:rPr lang="en-US" sz="1400" baseline="0" dirty="0" smtClean="0"/>
+                        <a:t> or server-side of web browser.  No install or compiling.</a:t>
+                      </a:r>
                       <a:endParaRPr lang="en-US" sz="1400" dirty="0"/>
                     </a:p>
                   </a:txBody>
@@ -3421,6 +5418,14 @@
                     <a:bodyPr/>
                     <a:lstStyle/>
                     <a:p>
+                      <a:r>
+                        <a:rPr lang="en-US" sz="1400" dirty="0" smtClean="0"/>
+                        <a:t>Front-end</a:t>
+                      </a:r>
+                      <a:r>
+                        <a:rPr lang="en-US" sz="1400" baseline="0" dirty="0" smtClean="0"/>
+                        <a:t> development only…often embedded into HTML</a:t>
+                      </a:r>
                       <a:endParaRPr lang="en-US" sz="1400" dirty="0"/>
                     </a:p>
                   </a:txBody>
@@ -3451,7 +5456,7 @@
         </p:nvSpPr>
         <p:spPr>
           <a:xfrm>
-            <a:off x="952500" y="1199599"/>
+            <a:off x="1059504" y="1139331"/>
             <a:ext cx="4114800" cy="646331"/>
           </a:xfrm>
           <a:prstGeom prst="rect">
@@ -3467,14 +5472,25 @@
           <a:p>
             <a:r>
               <a:rPr lang="en-US" dirty="0">
+                <a:solidFill>
+                  <a:schemeClr val="bg1"/>
+                </a:solidFill>
                 <a:hlinkClick r:id="rId2"/>
               </a:rPr>
               <a:t>https://www.tiobe.com/tiobe-index/</a:t>
             </a:r>
-            <a:endParaRPr lang="en-US" dirty="0"/>
-          </a:p>
-          <a:p>
-            <a:endParaRPr lang="en-US" dirty="0"/>
+            <a:endParaRPr lang="en-US" dirty="0">
+              <a:solidFill>
+                <a:schemeClr val="bg1"/>
+              </a:solidFill>
+            </a:endParaRPr>
+          </a:p>
+          <a:p>
+            <a:endParaRPr lang="en-US" dirty="0">
+              <a:solidFill>
+                <a:schemeClr val="bg1"/>
+              </a:solidFill>
+            </a:endParaRPr>
           </a:p>
         </p:txBody>
       </p:sp>
@@ -3534,7 +5550,7 @@
         </p:nvSpPr>
         <p:spPr>
           <a:xfrm>
-            <a:off x="5359400" y="1079064"/>
+            <a:off x="5943599" y="1125230"/>
             <a:ext cx="6096000" cy="646331"/>
           </a:xfrm>
           <a:prstGeom prst="rect">
@@ -3612,2086 +5628,30 @@
   <p:clrMapOvr>
     <a:masterClrMapping/>
   </p:clrMapOvr>
-</p:sld>
-</file>
-
-<file path=ppt/slides/slide10.xml><?xml version="1.0" encoding="utf-8"?>
-<p:sld xmlns:a="http://schemas.openxmlformats.org/drawingml/2006/main" xmlns:r="http://schemas.openxmlformats.org/officeDocument/2006/relationships" xmlns:p="http://schemas.openxmlformats.org/presentationml/2006/main">
-  <p:cSld>
-    <p:spTree>
-      <p:nvGrpSpPr>
-        <p:cNvPr id="1" name=""/>
-        <p:cNvGrpSpPr/>
-        <p:nvPr/>
-      </p:nvGrpSpPr>
-      <p:grpSpPr>
-        <a:xfrm>
-          <a:off x="0" y="0"/>
-          <a:ext cx="0" cy="0"/>
-          <a:chOff x="0" y="0"/>
-          <a:chExt cx="0" cy="0"/>
-        </a:xfrm>
-      </p:grpSpPr>
-      <p:sp>
-        <p:nvSpPr>
-          <p:cNvPr id="5" name="TextBox 4"/>
-          <p:cNvSpPr txBox="1"/>
-          <p:nvPr/>
-        </p:nvSpPr>
-        <p:spPr>
-          <a:xfrm>
-            <a:off x="1543101" y="177316"/>
-            <a:ext cx="9686306" cy="523220"/>
-          </a:xfrm>
-          <a:prstGeom prst="rect">
-            <a:avLst/>
-          </a:prstGeom>
-          <a:noFill/>
-        </p:spPr>
-        <p:txBody>
-          <a:bodyPr wrap="none" rtlCol="0">
-            <a:spAutoFit/>
-          </a:bodyPr>
-          <a:lstStyle/>
-          <a:p>
-            <a:r>
-              <a:rPr lang="en-US" sz="2800" dirty="0"/>
-              <a:t>R – functional assignment, built-in functions and library functions</a:t>
-            </a:r>
-          </a:p>
-        </p:txBody>
-      </p:sp>
-      <p:sp>
-        <p:nvSpPr>
-          <p:cNvPr id="9" name="TextBox 8">
-            <a:extLst>
-              <a:ext uri="{FF2B5EF4-FFF2-40B4-BE49-F238E27FC236}">
-                <a16:creationId xmlns:a16="http://schemas.microsoft.com/office/drawing/2014/main" id="{C6496AC8-D6D5-41E7-AC89-BED3633AF949}"/>
-              </a:ext>
-            </a:extLst>
-          </p:cNvPr>
-          <p:cNvSpPr txBox="1"/>
-          <p:nvPr/>
-        </p:nvSpPr>
-        <p:spPr>
-          <a:xfrm>
-            <a:off x="7601274" y="4536996"/>
-            <a:ext cx="3828726" cy="1477328"/>
-          </a:xfrm>
-          <a:prstGeom prst="rect">
-            <a:avLst/>
-          </a:prstGeom>
-          <a:noFill/>
-        </p:spPr>
-        <p:txBody>
-          <a:bodyPr wrap="square" rtlCol="0">
-            <a:spAutoFit/>
-          </a:bodyPr>
-          <a:lstStyle/>
-          <a:p>
-            <a:r>
-              <a:rPr lang="en-US" dirty="0">
-                <a:solidFill>
-                  <a:srgbClr val="FF0000"/>
-                </a:solidFill>
-              </a:rPr>
-              <a:t>ALWAYS check R documentation carefully when using library functions</a:t>
-            </a:r>
-          </a:p>
-          <a:p>
-            <a:r>
-              <a:rPr lang="en-US" dirty="0">
-                <a:solidFill>
-                  <a:srgbClr val="FF0000"/>
-                </a:solidFill>
-              </a:rPr>
-              <a:t>MAKE SURE YOU ARE USING ARGUMENTS EXACTLY AS REQUIRED FOR EACH FUNCTION</a:t>
-            </a:r>
-          </a:p>
-        </p:txBody>
-      </p:sp>
-      <p:sp>
-        <p:nvSpPr>
-          <p:cNvPr id="16" name="TextBox 15">
-            <a:extLst>
-              <a:ext uri="{FF2B5EF4-FFF2-40B4-BE49-F238E27FC236}">
-                <a16:creationId xmlns:a16="http://schemas.microsoft.com/office/drawing/2014/main" id="{42CD3B59-A632-42F2-85E8-2FC530FDE5C6}"/>
-              </a:ext>
-            </a:extLst>
-          </p:cNvPr>
-          <p:cNvSpPr txBox="1"/>
-          <p:nvPr/>
-        </p:nvSpPr>
-        <p:spPr>
-          <a:xfrm>
-            <a:off x="762000" y="2421907"/>
-            <a:ext cx="6096000" cy="3970318"/>
-          </a:xfrm>
-          <a:prstGeom prst="rect">
-            <a:avLst/>
-          </a:prstGeom>
-          <a:noFill/>
-          <a:ln>
-            <a:solidFill>
-              <a:schemeClr val="tx1"/>
-            </a:solidFill>
-          </a:ln>
-        </p:spPr>
-        <p:txBody>
-          <a:bodyPr wrap="square">
-            <a:spAutoFit/>
-          </a:bodyPr>
-          <a:lstStyle/>
-          <a:p>
-            <a:r>
-              <a:rPr lang="en-US" dirty="0">
-                <a:solidFill>
-                  <a:schemeClr val="accent6">
-                    <a:lumMod val="75000"/>
-                  </a:schemeClr>
-                </a:solidFill>
-              </a:rPr>
-              <a:t>## Another example with the famous iris data</a:t>
-            </a:r>
-          </a:p>
-          <a:p>
-            <a:r>
-              <a:rPr lang="en-US" dirty="0"/>
-              <a:t>data(iris)</a:t>
-            </a:r>
-          </a:p>
-          <a:p>
-            <a:r>
-              <a:rPr lang="en-US" dirty="0"/>
-              <a:t>library(‘</a:t>
-            </a:r>
-            <a:r>
-              <a:rPr lang="en-US" dirty="0" err="1"/>
-              <a:t>kernlab</a:t>
-            </a:r>
-            <a:r>
-              <a:rPr lang="en-US" dirty="0"/>
-              <a:t>’)</a:t>
-            </a:r>
-          </a:p>
-          <a:p>
-            <a:r>
-              <a:rPr lang="en-US" dirty="0">
-                <a:solidFill>
-                  <a:schemeClr val="accent6">
-                    <a:lumMod val="75000"/>
-                  </a:schemeClr>
-                </a:solidFill>
-              </a:rPr>
-              <a:t>## Create a kernel function using the build in </a:t>
-            </a:r>
-            <a:r>
-              <a:rPr lang="en-US" dirty="0" err="1">
-                <a:solidFill>
-                  <a:schemeClr val="accent6">
-                    <a:lumMod val="75000"/>
-                  </a:schemeClr>
-                </a:solidFill>
-              </a:rPr>
-              <a:t>rbfdot</a:t>
-            </a:r>
-            <a:r>
-              <a:rPr lang="en-US" dirty="0">
-                <a:solidFill>
-                  <a:schemeClr val="accent6">
-                    <a:lumMod val="75000"/>
-                  </a:schemeClr>
-                </a:solidFill>
-              </a:rPr>
-              <a:t> function</a:t>
-            </a:r>
-          </a:p>
-          <a:p>
-            <a:r>
-              <a:rPr lang="en-US" dirty="0" err="1"/>
-              <a:t>rbf</a:t>
-            </a:r>
-            <a:r>
-              <a:rPr lang="en-US" dirty="0"/>
-              <a:t> &lt;- </a:t>
-            </a:r>
-            <a:r>
-              <a:rPr lang="en-US" dirty="0" err="1"/>
-              <a:t>rbfdot</a:t>
-            </a:r>
-            <a:r>
-              <a:rPr lang="en-US" dirty="0"/>
-              <a:t>(sigma=0.1)</a:t>
-            </a:r>
-          </a:p>
-          <a:p>
-            <a:r>
-              <a:rPr lang="en-US" dirty="0" err="1"/>
-              <a:t>rbf</a:t>
-            </a:r>
-            <a:endParaRPr lang="en-US" dirty="0"/>
-          </a:p>
-          <a:p>
-            <a:r>
-              <a:rPr lang="en-US" dirty="0">
-                <a:solidFill>
-                  <a:schemeClr val="accent6">
-                    <a:lumMod val="75000"/>
-                  </a:schemeClr>
-                </a:solidFill>
-              </a:rPr>
-              <a:t>## train a bound constraint support vector machine</a:t>
-            </a:r>
-          </a:p>
-          <a:p>
-            <a:r>
-              <a:rPr lang="en-US" dirty="0" err="1"/>
-              <a:t>irismodel</a:t>
-            </a:r>
-            <a:r>
-              <a:rPr lang="en-US" dirty="0"/>
-              <a:t> &lt;- </a:t>
-            </a:r>
-            <a:r>
-              <a:rPr lang="en-US" dirty="0" err="1"/>
-              <a:t>ksvm</a:t>
-            </a:r>
-            <a:r>
-              <a:rPr lang="en-US" dirty="0"/>
-              <a:t>(</a:t>
-            </a:r>
-            <a:r>
-              <a:rPr lang="en-US" dirty="0" err="1"/>
-              <a:t>Species~.,data</a:t>
-            </a:r>
-            <a:r>
-              <a:rPr lang="en-US" dirty="0"/>
-              <a:t>=</a:t>
-            </a:r>
-            <a:r>
-              <a:rPr lang="en-US" dirty="0" err="1"/>
-              <a:t>iris,type</a:t>
-            </a:r>
-            <a:r>
-              <a:rPr lang="en-US" dirty="0"/>
-              <a:t>="C-</a:t>
-            </a:r>
-            <a:r>
-              <a:rPr lang="en-US" dirty="0" err="1"/>
-              <a:t>bsvc</a:t>
-            </a:r>
-            <a:r>
-              <a:rPr lang="en-US" dirty="0"/>
-              <a:t>",</a:t>
-            </a:r>
-          </a:p>
-          <a:p>
-            <a:r>
-              <a:rPr lang="en-US" dirty="0"/>
-              <a:t>                  kernel=</a:t>
-            </a:r>
-            <a:r>
-              <a:rPr lang="en-US" dirty="0" err="1"/>
-              <a:t>rbf,C</a:t>
-            </a:r>
-            <a:r>
-              <a:rPr lang="en-US" dirty="0"/>
-              <a:t>=10,prob.model=TRUE)</a:t>
-            </a:r>
-          </a:p>
-          <a:p>
-            <a:r>
-              <a:rPr lang="en-US" dirty="0"/>
-              <a:t>print(</a:t>
-            </a:r>
-            <a:r>
-              <a:rPr lang="en-US" dirty="0" err="1"/>
-              <a:t>irismodel</a:t>
-            </a:r>
-            <a:r>
-              <a:rPr lang="en-US" dirty="0"/>
-              <a:t>)</a:t>
-            </a:r>
-          </a:p>
-          <a:p>
-            <a:r>
-              <a:rPr lang="en-US" dirty="0">
-                <a:solidFill>
-                  <a:schemeClr val="accent6">
-                    <a:lumMod val="75000"/>
-                  </a:schemeClr>
-                </a:solidFill>
-              </a:rPr>
-              <a:t>## get fitted values</a:t>
-            </a:r>
-          </a:p>
-          <a:p>
-            <a:r>
-              <a:rPr lang="en-US" dirty="0"/>
-              <a:t>fitted(</a:t>
-            </a:r>
-            <a:r>
-              <a:rPr lang="en-US" dirty="0" err="1"/>
-              <a:t>irismodel</a:t>
-            </a:r>
-            <a:r>
-              <a:rPr lang="en-US" dirty="0"/>
-              <a:t>)</a:t>
-            </a:r>
-          </a:p>
-          <a:p>
-            <a:r>
-              <a:rPr lang="en-US" dirty="0">
-                <a:solidFill>
-                  <a:schemeClr val="accent6">
-                    <a:lumMod val="75000"/>
-                  </a:schemeClr>
-                </a:solidFill>
-              </a:rPr>
-              <a:t>## Test on the training set with probabilities as output</a:t>
-            </a:r>
-          </a:p>
-          <a:p>
-            <a:r>
-              <a:rPr lang="en-US" dirty="0"/>
-              <a:t>predict(</a:t>
-            </a:r>
-            <a:r>
-              <a:rPr lang="en-US" dirty="0" err="1"/>
-              <a:t>irismodel</a:t>
-            </a:r>
-            <a:r>
-              <a:rPr lang="en-US" dirty="0"/>
-              <a:t>, iris[,-5], type="probabilities")</a:t>
-            </a:r>
-          </a:p>
-        </p:txBody>
-      </p:sp>
-      <p:sp>
-        <p:nvSpPr>
-          <p:cNvPr id="17" name="TextBox 16">
-            <a:hlinkClick r:id="rId2"/>
-            <a:extLst>
-              <a:ext uri="{FF2B5EF4-FFF2-40B4-BE49-F238E27FC236}">
-                <a16:creationId xmlns:a16="http://schemas.microsoft.com/office/drawing/2014/main" id="{89E613D1-6C20-40ED-860A-655804069332}"/>
-              </a:ext>
-            </a:extLst>
-          </p:cNvPr>
-          <p:cNvSpPr txBox="1"/>
-          <p:nvPr/>
-        </p:nvSpPr>
-        <p:spPr>
-          <a:xfrm>
-            <a:off x="2389807" y="1371509"/>
-            <a:ext cx="8382000" cy="646331"/>
-          </a:xfrm>
-          <a:prstGeom prst="rect">
-            <a:avLst/>
-          </a:prstGeom>
-          <a:noFill/>
-        </p:spPr>
-        <p:txBody>
-          <a:bodyPr wrap="square">
-            <a:spAutoFit/>
-          </a:bodyPr>
-          <a:lstStyle/>
-          <a:p>
-            <a:r>
-              <a:rPr lang="en-US" dirty="0">
-                <a:hlinkClick r:id="rId2"/>
-              </a:rPr>
-              <a:t>https://www.rdocumentation.org/packages/kernlab/versions/0.9-29/topics/ksvm</a:t>
-            </a:r>
-            <a:endParaRPr lang="en-US" dirty="0"/>
-          </a:p>
-          <a:p>
-            <a:endParaRPr lang="en-US" dirty="0"/>
-          </a:p>
-        </p:txBody>
-      </p:sp>
-      <p:sp>
-        <p:nvSpPr>
-          <p:cNvPr id="18" name="TextBox 17">
-            <a:extLst>
-              <a:ext uri="{FF2B5EF4-FFF2-40B4-BE49-F238E27FC236}">
-                <a16:creationId xmlns:a16="http://schemas.microsoft.com/office/drawing/2014/main" id="{AFB71D2C-E029-4FF1-89BA-33820510B201}"/>
-              </a:ext>
-            </a:extLst>
-          </p:cNvPr>
-          <p:cNvSpPr txBox="1"/>
-          <p:nvPr/>
-        </p:nvSpPr>
-        <p:spPr>
-          <a:xfrm>
-            <a:off x="1543101" y="1037578"/>
-            <a:ext cx="10355142" cy="369332"/>
-          </a:xfrm>
-          <a:prstGeom prst="rect">
-            <a:avLst/>
-          </a:prstGeom>
-          <a:noFill/>
-        </p:spPr>
-        <p:txBody>
-          <a:bodyPr wrap="none" rtlCol="0">
-            <a:spAutoFit/>
-          </a:bodyPr>
-          <a:lstStyle/>
-          <a:p>
-            <a:r>
-              <a:rPr lang="en-US" dirty="0"/>
-              <a:t>An example with much more sophisticated function for support vector machine learning from </a:t>
-            </a:r>
-            <a:r>
-              <a:rPr lang="en-US" dirty="0" err="1"/>
-              <a:t>kernlab</a:t>
-            </a:r>
-            <a:r>
-              <a:rPr lang="en-US" dirty="0"/>
-              <a:t> library</a:t>
-            </a:r>
-          </a:p>
-        </p:txBody>
-      </p:sp>
-      <p:sp>
-        <p:nvSpPr>
-          <p:cNvPr id="19" name="TextBox 18">
-            <a:extLst>
-              <a:ext uri="{FF2B5EF4-FFF2-40B4-BE49-F238E27FC236}">
-                <a16:creationId xmlns:a16="http://schemas.microsoft.com/office/drawing/2014/main" id="{2708D38B-635B-4F0F-AFB3-145C72241A21}"/>
-              </a:ext>
-            </a:extLst>
-          </p:cNvPr>
-          <p:cNvSpPr txBox="1"/>
-          <p:nvPr/>
-        </p:nvSpPr>
-        <p:spPr>
-          <a:xfrm>
-            <a:off x="7669368" y="2114868"/>
-            <a:ext cx="3454400" cy="2031325"/>
-          </a:xfrm>
-          <a:prstGeom prst="rect">
-            <a:avLst/>
-          </a:prstGeom>
-          <a:noFill/>
-        </p:spPr>
-        <p:txBody>
-          <a:bodyPr wrap="square" rtlCol="0">
-            <a:spAutoFit/>
-          </a:bodyPr>
-          <a:lstStyle/>
-          <a:p>
-            <a:r>
-              <a:rPr lang="en-US" dirty="0">
-                <a:solidFill>
-                  <a:srgbClr val="FF0000"/>
-                </a:solidFill>
-              </a:rPr>
-              <a:t>Note: ‘</a:t>
-            </a:r>
-            <a:r>
-              <a:rPr lang="en-US" dirty="0" smtClean="0">
-                <a:solidFill>
-                  <a:srgbClr val="FF0000"/>
-                </a:solidFill>
-              </a:rPr>
-              <a:t>library()’ </a:t>
-            </a:r>
-            <a:r>
-              <a:rPr lang="en-US" dirty="0">
-                <a:solidFill>
-                  <a:srgbClr val="FF0000"/>
-                </a:solidFill>
-              </a:rPr>
-              <a:t>is R command for loading a package/module/library to your </a:t>
-            </a:r>
-            <a:r>
-              <a:rPr lang="en-US" dirty="0" smtClean="0">
-                <a:solidFill>
-                  <a:srgbClr val="FF0000"/>
-                </a:solidFill>
-              </a:rPr>
-              <a:t>script every time you use it</a:t>
-            </a:r>
-          </a:p>
-          <a:p>
-            <a:endParaRPr lang="en-US" dirty="0">
-              <a:solidFill>
-                <a:srgbClr val="FF0000"/>
-              </a:solidFill>
-            </a:endParaRPr>
-          </a:p>
-          <a:p>
-            <a:r>
-              <a:rPr lang="en-US" dirty="0" smtClean="0">
-                <a:solidFill>
-                  <a:srgbClr val="FF0000"/>
-                </a:solidFill>
-              </a:rPr>
-              <a:t>Note: </a:t>
-            </a:r>
-            <a:r>
-              <a:rPr lang="en-US" dirty="0" err="1" smtClean="0">
-                <a:solidFill>
-                  <a:srgbClr val="FF0000"/>
-                </a:solidFill>
-              </a:rPr>
-              <a:t>install.packages</a:t>
-            </a:r>
-            <a:r>
-              <a:rPr lang="en-US" dirty="0" smtClean="0">
-                <a:solidFill>
-                  <a:srgbClr val="FF0000"/>
-                </a:solidFill>
-              </a:rPr>
-              <a:t>() is the terminal command to download a library for the first time ONLY</a:t>
-            </a:r>
-            <a:endParaRPr lang="en-US" dirty="0">
-              <a:solidFill>
-                <a:srgbClr val="FF0000"/>
-              </a:solidFill>
-            </a:endParaRPr>
-          </a:p>
-        </p:txBody>
-      </p:sp>
-    </p:spTree>
-    <p:extLst>
-      <p:ext uri="{BB962C8B-B14F-4D97-AF65-F5344CB8AC3E}">
-        <p14:creationId xmlns:p14="http://schemas.microsoft.com/office/powerpoint/2010/main" val="2752107041"/>
-      </p:ext>
-    </p:extLst>
-  </p:cSld>
-  <p:clrMapOvr>
-    <a:masterClrMapping/>
-  </p:clrMapOvr>
-</p:sld>
-</file>
-
-<file path=ppt/slides/slide11.xml><?xml version="1.0" encoding="utf-8"?>
-<p:sld xmlns:a="http://schemas.openxmlformats.org/drawingml/2006/main" xmlns:r="http://schemas.openxmlformats.org/officeDocument/2006/relationships" xmlns:p="http://schemas.openxmlformats.org/presentationml/2006/main">
-  <p:cSld>
-    <p:spTree>
-      <p:nvGrpSpPr>
-        <p:cNvPr id="1" name=""/>
-        <p:cNvGrpSpPr/>
-        <p:nvPr/>
-      </p:nvGrpSpPr>
-      <p:grpSpPr>
-        <a:xfrm>
-          <a:off x="0" y="0"/>
-          <a:ext cx="0" cy="0"/>
-          <a:chOff x="0" y="0"/>
-          <a:chExt cx="0" cy="0"/>
-        </a:xfrm>
-      </p:grpSpPr>
-      <p:sp>
-        <p:nvSpPr>
-          <p:cNvPr id="13" name="TextBox 12">
-            <a:extLst>
-              <a:ext uri="{FF2B5EF4-FFF2-40B4-BE49-F238E27FC236}">
-                <a16:creationId xmlns:a16="http://schemas.microsoft.com/office/drawing/2014/main" id="{FD3C69C3-2E81-4117-B0CF-770092337A5F}"/>
-              </a:ext>
-            </a:extLst>
-          </p:cNvPr>
-          <p:cNvSpPr txBox="1"/>
-          <p:nvPr/>
-        </p:nvSpPr>
-        <p:spPr>
-          <a:xfrm>
-            <a:off x="4942766" y="414635"/>
-            <a:ext cx="2007281" cy="523220"/>
-          </a:xfrm>
-          <a:prstGeom prst="rect">
-            <a:avLst/>
-          </a:prstGeom>
-          <a:noFill/>
-        </p:spPr>
-        <p:txBody>
-          <a:bodyPr wrap="none" rtlCol="0">
-            <a:spAutoFit/>
-          </a:bodyPr>
-          <a:lstStyle/>
-          <a:p>
-            <a:r>
-              <a:rPr lang="en-US" sz="2800" dirty="0"/>
-              <a:t>R – basic I/O</a:t>
-            </a:r>
-          </a:p>
-        </p:txBody>
-      </p:sp>
-      <p:sp>
-        <p:nvSpPr>
-          <p:cNvPr id="14" name="TextBox 13">
-            <a:extLst>
-              <a:ext uri="{FF2B5EF4-FFF2-40B4-BE49-F238E27FC236}">
-                <a16:creationId xmlns:a16="http://schemas.microsoft.com/office/drawing/2014/main" id="{B6694B26-6A39-4E12-AA24-6E9D2DBF9E61}"/>
-              </a:ext>
-            </a:extLst>
-          </p:cNvPr>
-          <p:cNvSpPr txBox="1"/>
-          <p:nvPr/>
-        </p:nvSpPr>
-        <p:spPr>
-          <a:xfrm>
-            <a:off x="8532358" y="4075717"/>
-            <a:ext cx="3420808" cy="369332"/>
-          </a:xfrm>
-          <a:prstGeom prst="rect">
-            <a:avLst/>
-          </a:prstGeom>
-          <a:noFill/>
-        </p:spPr>
-        <p:txBody>
-          <a:bodyPr wrap="none" rtlCol="0">
-            <a:spAutoFit/>
-          </a:bodyPr>
-          <a:lstStyle/>
-          <a:p>
-            <a:r>
-              <a:rPr lang="en-US" dirty="0">
-                <a:solidFill>
-                  <a:srgbClr val="FF0000"/>
-                </a:solidFill>
-              </a:rPr>
-              <a:t>there is also a write table function</a:t>
-            </a:r>
-          </a:p>
-        </p:txBody>
-      </p:sp>
-      <p:sp>
-        <p:nvSpPr>
-          <p:cNvPr id="17" name="TextBox 16">
-            <a:extLst>
-              <a:ext uri="{FF2B5EF4-FFF2-40B4-BE49-F238E27FC236}">
-                <a16:creationId xmlns:a16="http://schemas.microsoft.com/office/drawing/2014/main" id="{AAA28CF1-097A-4A32-B062-EFEE4DAB02CE}"/>
-              </a:ext>
-            </a:extLst>
-          </p:cNvPr>
-          <p:cNvSpPr txBox="1"/>
-          <p:nvPr/>
-        </p:nvSpPr>
-        <p:spPr>
-          <a:xfrm>
-            <a:off x="749300" y="1166842"/>
-            <a:ext cx="7223922" cy="4524315"/>
-          </a:xfrm>
-          <a:prstGeom prst="rect">
-            <a:avLst/>
-          </a:prstGeom>
-          <a:noFill/>
-          <a:ln>
-            <a:solidFill>
-              <a:schemeClr val="tx1"/>
-            </a:solidFill>
-          </a:ln>
-        </p:spPr>
-        <p:txBody>
-          <a:bodyPr wrap="square">
-            <a:spAutoFit/>
-          </a:bodyPr>
-          <a:lstStyle/>
-          <a:p>
-            <a:r>
-              <a:rPr lang="en-US" dirty="0"/>
-              <a:t>data=</a:t>
-            </a:r>
-            <a:r>
-              <a:rPr lang="en-US" dirty="0" err="1"/>
-              <a:t>read.table</a:t>
-            </a:r>
-            <a:r>
-              <a:rPr lang="en-US" dirty="0"/>
-              <a:t>("/home/</a:t>
-            </a:r>
-            <a:r>
-              <a:rPr lang="en-US" dirty="0" err="1"/>
-              <a:t>microcarbon</a:t>
-            </a:r>
-            <a:r>
-              <a:rPr lang="en-US" dirty="0"/>
-              <a:t>/Desktop/</a:t>
-            </a:r>
-            <a:r>
-              <a:rPr lang="en-US" dirty="0" err="1"/>
-              <a:t>iris_tab.txt",header</a:t>
-            </a:r>
-            <a:r>
-              <a:rPr lang="en-US" dirty="0"/>
-              <a:t>=TRUE)</a:t>
-            </a:r>
-          </a:p>
-          <a:p>
-            <a:r>
-              <a:rPr lang="en-US" dirty="0" err="1"/>
-              <a:t>sepal_length</a:t>
-            </a:r>
-            <a:r>
-              <a:rPr lang="en-US" dirty="0"/>
-              <a:t>=</a:t>
-            </a:r>
-            <a:r>
-              <a:rPr lang="en-US" dirty="0" err="1"/>
-              <a:t>data$sepal_length</a:t>
-            </a:r>
-            <a:endParaRPr lang="en-US" dirty="0"/>
-          </a:p>
-          <a:p>
-            <a:r>
-              <a:rPr lang="en-US" dirty="0" err="1"/>
-              <a:t>sepal_width</a:t>
-            </a:r>
-            <a:r>
-              <a:rPr lang="en-US" dirty="0"/>
-              <a:t>=</a:t>
-            </a:r>
-            <a:r>
-              <a:rPr lang="en-US" dirty="0" err="1"/>
-              <a:t>data$sepal_width</a:t>
-            </a:r>
-            <a:endParaRPr lang="en-US" dirty="0"/>
-          </a:p>
-          <a:p>
-            <a:r>
-              <a:rPr lang="en-US" dirty="0" err="1"/>
-              <a:t>petal_length</a:t>
-            </a:r>
-            <a:r>
-              <a:rPr lang="en-US" dirty="0"/>
-              <a:t>=</a:t>
-            </a:r>
-            <a:r>
-              <a:rPr lang="en-US" dirty="0" err="1"/>
-              <a:t>data$petal_length</a:t>
-            </a:r>
-            <a:endParaRPr lang="en-US" dirty="0"/>
-          </a:p>
-          <a:p>
-            <a:r>
-              <a:rPr lang="en-US" dirty="0" err="1"/>
-              <a:t>petal_width</a:t>
-            </a:r>
-            <a:r>
-              <a:rPr lang="en-US" dirty="0"/>
-              <a:t>=</a:t>
-            </a:r>
-            <a:r>
-              <a:rPr lang="en-US" dirty="0" err="1"/>
-              <a:t>data$petal_width</a:t>
-            </a:r>
-            <a:endParaRPr lang="en-US" dirty="0"/>
-          </a:p>
-          <a:p>
-            <a:r>
-              <a:rPr lang="en-US" dirty="0"/>
-              <a:t>species=</a:t>
-            </a:r>
-            <a:r>
-              <a:rPr lang="en-US" dirty="0" err="1"/>
-              <a:t>data$species</a:t>
-            </a:r>
-            <a:endParaRPr lang="en-US" dirty="0"/>
-          </a:p>
-          <a:p>
-            <a:endParaRPr lang="en-US" dirty="0"/>
-          </a:p>
-          <a:p>
-            <a:r>
-              <a:rPr lang="en-US" dirty="0" err="1"/>
-              <a:t>iris.data</a:t>
-            </a:r>
-            <a:r>
-              <a:rPr lang="en-US" dirty="0"/>
-              <a:t>&lt;-</a:t>
-            </a:r>
-            <a:r>
-              <a:rPr lang="en-US" dirty="0" err="1"/>
-              <a:t>data.frame</a:t>
-            </a:r>
-            <a:r>
-              <a:rPr lang="en-US" dirty="0"/>
-              <a:t>(</a:t>
-            </a:r>
-          </a:p>
-          <a:p>
-            <a:r>
-              <a:rPr lang="en-US" dirty="0"/>
-              <a:t>  </a:t>
-            </a:r>
-            <a:r>
-              <a:rPr lang="en-US" dirty="0" err="1"/>
-              <a:t>sepal_length</a:t>
-            </a:r>
-            <a:r>
-              <a:rPr lang="en-US" dirty="0"/>
-              <a:t>,</a:t>
-            </a:r>
-          </a:p>
-          <a:p>
-            <a:r>
-              <a:rPr lang="en-US" dirty="0"/>
-              <a:t>  </a:t>
-            </a:r>
-            <a:r>
-              <a:rPr lang="en-US" dirty="0" err="1"/>
-              <a:t>sepal_width</a:t>
-            </a:r>
-            <a:r>
-              <a:rPr lang="en-US" dirty="0"/>
-              <a:t>,</a:t>
-            </a:r>
-          </a:p>
-          <a:p>
-            <a:r>
-              <a:rPr lang="en-US" dirty="0"/>
-              <a:t>  </a:t>
-            </a:r>
-            <a:r>
-              <a:rPr lang="en-US" dirty="0" err="1"/>
-              <a:t>petal_length</a:t>
-            </a:r>
-            <a:r>
-              <a:rPr lang="en-US" dirty="0"/>
-              <a:t>,</a:t>
-            </a:r>
-          </a:p>
-          <a:p>
-            <a:r>
-              <a:rPr lang="en-US" dirty="0"/>
-              <a:t>  </a:t>
-            </a:r>
-            <a:r>
-              <a:rPr lang="en-US" dirty="0" err="1"/>
-              <a:t>petal_width</a:t>
-            </a:r>
-            <a:r>
-              <a:rPr lang="en-US" dirty="0"/>
-              <a:t>,</a:t>
-            </a:r>
-          </a:p>
-          <a:p>
-            <a:r>
-              <a:rPr lang="en-US" dirty="0"/>
-              <a:t>  species</a:t>
-            </a:r>
-          </a:p>
-          <a:p>
-            <a:r>
-              <a:rPr lang="en-US" dirty="0"/>
-              <a:t>)</a:t>
-            </a:r>
-          </a:p>
-          <a:p>
-            <a:r>
-              <a:rPr lang="en-US" dirty="0"/>
-              <a:t>print(</a:t>
-            </a:r>
-            <a:r>
-              <a:rPr lang="en-US" dirty="0" err="1"/>
-              <a:t>iris.data</a:t>
-            </a:r>
-            <a:r>
-              <a:rPr lang="en-US" dirty="0"/>
-              <a:t>)</a:t>
-            </a:r>
-          </a:p>
-          <a:p>
-            <a:r>
-              <a:rPr lang="en-US" dirty="0"/>
-              <a:t>print(summary(</a:t>
-            </a:r>
-            <a:r>
-              <a:rPr lang="en-US" dirty="0" err="1"/>
-              <a:t>iris.data</a:t>
-            </a:r>
-            <a:r>
-              <a:rPr lang="en-US" dirty="0"/>
-              <a:t>))</a:t>
-            </a:r>
-          </a:p>
-        </p:txBody>
-      </p:sp>
-      <p:sp>
-        <p:nvSpPr>
-          <p:cNvPr id="4" name="TextBox 3">
-            <a:extLst>
-              <a:ext uri="{FF2B5EF4-FFF2-40B4-BE49-F238E27FC236}">
-                <a16:creationId xmlns:a16="http://schemas.microsoft.com/office/drawing/2014/main" id="{EDA20DAB-67A5-450F-AA59-892490F11D6E}"/>
-              </a:ext>
-            </a:extLst>
-          </p:cNvPr>
-          <p:cNvSpPr txBox="1"/>
-          <p:nvPr/>
-        </p:nvSpPr>
-        <p:spPr>
-          <a:xfrm>
-            <a:off x="8532358" y="2006600"/>
-            <a:ext cx="2286000" cy="1200329"/>
-          </a:xfrm>
-          <a:prstGeom prst="rect">
-            <a:avLst/>
-          </a:prstGeom>
-          <a:noFill/>
-        </p:spPr>
-        <p:txBody>
-          <a:bodyPr wrap="square" rtlCol="0">
-            <a:spAutoFit/>
-          </a:bodyPr>
-          <a:lstStyle/>
-          <a:p>
-            <a:r>
-              <a:rPr lang="en-US" dirty="0">
-                <a:solidFill>
-                  <a:srgbClr val="FF0000"/>
-                </a:solidFill>
-              </a:rPr>
-              <a:t>$ subsets each column by its header and later is used to create new data frame</a:t>
-            </a:r>
-          </a:p>
-        </p:txBody>
-      </p:sp>
-      <p:sp>
-        <p:nvSpPr>
-          <p:cNvPr id="16" name="TextBox 15">
-            <a:hlinkClick r:id="rId2"/>
-            <a:extLst>
-              <a:ext uri="{FF2B5EF4-FFF2-40B4-BE49-F238E27FC236}">
-                <a16:creationId xmlns:a16="http://schemas.microsoft.com/office/drawing/2014/main" id="{E27C1B1F-FC44-4EB0-A8BC-031E45652A8C}"/>
-              </a:ext>
-            </a:extLst>
-          </p:cNvPr>
-          <p:cNvSpPr txBox="1"/>
-          <p:nvPr/>
-        </p:nvSpPr>
-        <p:spPr>
-          <a:xfrm>
-            <a:off x="2298700" y="6112274"/>
-            <a:ext cx="8394700" cy="646331"/>
-          </a:xfrm>
-          <a:prstGeom prst="rect">
-            <a:avLst/>
-          </a:prstGeom>
-          <a:noFill/>
-        </p:spPr>
-        <p:txBody>
-          <a:bodyPr wrap="square">
-            <a:spAutoFit/>
-          </a:bodyPr>
-          <a:lstStyle/>
-          <a:p>
-            <a:r>
-              <a:rPr lang="en-US" dirty="0">
-                <a:hlinkClick r:id="rId2"/>
-              </a:rPr>
-              <a:t>https://www.rdocumentation.org/packages/utils/versions/3.6.2/topics/read.table</a:t>
-            </a:r>
-            <a:endParaRPr lang="en-US" dirty="0"/>
-          </a:p>
-          <a:p>
-            <a:endParaRPr lang="en-US" dirty="0"/>
-          </a:p>
-        </p:txBody>
-      </p:sp>
-    </p:spTree>
-    <p:extLst>
-      <p:ext uri="{BB962C8B-B14F-4D97-AF65-F5344CB8AC3E}">
-        <p14:creationId xmlns:p14="http://schemas.microsoft.com/office/powerpoint/2010/main" val="1921385602"/>
-      </p:ext>
-    </p:extLst>
-  </p:cSld>
-  <p:clrMapOvr>
-    <a:masterClrMapping/>
-  </p:clrMapOvr>
-</p:sld>
-</file>
-
-<file path=ppt/slides/slide12.xml><?xml version="1.0" encoding="utf-8"?>
-<p:sld xmlns:a="http://schemas.openxmlformats.org/drawingml/2006/main" xmlns:r="http://schemas.openxmlformats.org/officeDocument/2006/relationships" xmlns:p="http://schemas.openxmlformats.org/presentationml/2006/main">
-  <p:cSld>
-    <p:spTree>
-      <p:nvGrpSpPr>
-        <p:cNvPr id="1" name=""/>
-        <p:cNvGrpSpPr/>
-        <p:nvPr/>
-      </p:nvGrpSpPr>
-      <p:grpSpPr>
-        <a:xfrm>
-          <a:off x="0" y="0"/>
-          <a:ext cx="0" cy="0"/>
-          <a:chOff x="0" y="0"/>
-          <a:chExt cx="0" cy="0"/>
-        </a:xfrm>
-      </p:grpSpPr>
-      <p:sp>
-        <p:nvSpPr>
-          <p:cNvPr id="13" name="TextBox 12">
-            <a:extLst>
-              <a:ext uri="{FF2B5EF4-FFF2-40B4-BE49-F238E27FC236}">
-                <a16:creationId xmlns:a16="http://schemas.microsoft.com/office/drawing/2014/main" id="{FD3C69C3-2E81-4117-B0CF-770092337A5F}"/>
-              </a:ext>
-            </a:extLst>
-          </p:cNvPr>
-          <p:cNvSpPr txBox="1"/>
-          <p:nvPr/>
-        </p:nvSpPr>
-        <p:spPr>
-          <a:xfrm>
-            <a:off x="4942766" y="414635"/>
-            <a:ext cx="2007281" cy="523220"/>
-          </a:xfrm>
-          <a:prstGeom prst="rect">
-            <a:avLst/>
-          </a:prstGeom>
-          <a:noFill/>
-        </p:spPr>
-        <p:txBody>
-          <a:bodyPr wrap="none" rtlCol="0">
-            <a:spAutoFit/>
-          </a:bodyPr>
-          <a:lstStyle/>
-          <a:p>
-            <a:r>
-              <a:rPr lang="en-US" sz="2800" dirty="0"/>
-              <a:t>R – basic I/O</a:t>
-            </a:r>
-          </a:p>
-        </p:txBody>
-      </p:sp>
-      <p:sp>
-        <p:nvSpPr>
-          <p:cNvPr id="4" name="TextBox 3">
-            <a:extLst>
-              <a:ext uri="{FF2B5EF4-FFF2-40B4-BE49-F238E27FC236}">
-                <a16:creationId xmlns:a16="http://schemas.microsoft.com/office/drawing/2014/main" id="{EDA20DAB-67A5-450F-AA59-892490F11D6E}"/>
-              </a:ext>
-            </a:extLst>
-          </p:cNvPr>
-          <p:cNvSpPr txBox="1"/>
-          <p:nvPr/>
-        </p:nvSpPr>
-        <p:spPr>
-          <a:xfrm>
-            <a:off x="7910058" y="2606763"/>
-            <a:ext cx="2286000" cy="1200329"/>
-          </a:xfrm>
-          <a:prstGeom prst="rect">
-            <a:avLst/>
-          </a:prstGeom>
-          <a:noFill/>
-        </p:spPr>
-        <p:txBody>
-          <a:bodyPr wrap="square" rtlCol="0">
-            <a:spAutoFit/>
-          </a:bodyPr>
-          <a:lstStyle/>
-          <a:p>
-            <a:r>
-              <a:rPr lang="en-US" dirty="0">
-                <a:solidFill>
-                  <a:srgbClr val="FF0000"/>
-                </a:solidFill>
-              </a:rPr>
-              <a:t>Sink() function can be used to divert output to the R console to be stored in a text file </a:t>
-            </a:r>
-          </a:p>
-        </p:txBody>
-      </p:sp>
-      <p:sp>
-        <p:nvSpPr>
-          <p:cNvPr id="7" name="TextBox 6">
-            <a:extLst>
-              <a:ext uri="{FF2B5EF4-FFF2-40B4-BE49-F238E27FC236}">
-                <a16:creationId xmlns:a16="http://schemas.microsoft.com/office/drawing/2014/main" id="{A9B60633-8A32-4EAD-ACB0-F843331C66A8}"/>
-              </a:ext>
-            </a:extLst>
-          </p:cNvPr>
-          <p:cNvSpPr txBox="1"/>
-          <p:nvPr/>
-        </p:nvSpPr>
-        <p:spPr>
-          <a:xfrm>
-            <a:off x="1028700" y="1914267"/>
-            <a:ext cx="6096000" cy="2585323"/>
-          </a:xfrm>
-          <a:prstGeom prst="rect">
-            <a:avLst/>
-          </a:prstGeom>
-          <a:noFill/>
-          <a:ln>
-            <a:solidFill>
-              <a:schemeClr val="tx1"/>
-            </a:solidFill>
-          </a:ln>
-        </p:spPr>
-        <p:txBody>
-          <a:bodyPr wrap="square">
-            <a:spAutoFit/>
-          </a:bodyPr>
-          <a:lstStyle/>
-          <a:p>
-            <a:r>
-              <a:rPr lang="en-US" dirty="0">
-                <a:solidFill>
-                  <a:schemeClr val="accent6">
-                    <a:lumMod val="75000"/>
-                  </a:schemeClr>
-                </a:solidFill>
-              </a:rPr>
-              <a:t># print means, ANOVA test, and summary to external file</a:t>
-            </a:r>
-          </a:p>
-          <a:p>
-            <a:r>
-              <a:rPr lang="en-US" dirty="0"/>
-              <a:t>sink(file = '/home/</a:t>
-            </a:r>
-            <a:r>
-              <a:rPr lang="en-US" dirty="0" err="1"/>
-              <a:t>microcarbon</a:t>
-            </a:r>
-            <a:r>
-              <a:rPr lang="en-US" dirty="0"/>
-              <a:t>/Desktop/meansIRIS.txt')</a:t>
-            </a:r>
-          </a:p>
-          <a:p>
-            <a:r>
-              <a:rPr lang="en-US" dirty="0"/>
-              <a:t>print(</a:t>
-            </a:r>
-            <a:r>
-              <a:rPr lang="en-US" dirty="0" err="1"/>
-              <a:t>iris.means</a:t>
-            </a:r>
-            <a:r>
-              <a:rPr lang="en-US" dirty="0"/>
-              <a:t>)</a:t>
-            </a:r>
-          </a:p>
-          <a:p>
-            <a:r>
-              <a:rPr lang="en-US" dirty="0"/>
-              <a:t>print(summary(</a:t>
-            </a:r>
-            <a:r>
-              <a:rPr lang="en-US" dirty="0" err="1"/>
-              <a:t>iris.means</a:t>
-            </a:r>
-            <a:r>
-              <a:rPr lang="en-US" dirty="0"/>
-              <a:t>))</a:t>
-            </a:r>
-          </a:p>
-          <a:p>
-            <a:r>
-              <a:rPr lang="en-US" dirty="0"/>
-              <a:t>print(</a:t>
-            </a:r>
-            <a:r>
-              <a:rPr lang="en-US" dirty="0" err="1"/>
-              <a:t>sepal_length.anova</a:t>
-            </a:r>
-            <a:r>
-              <a:rPr lang="en-US" dirty="0"/>
-              <a:t>)</a:t>
-            </a:r>
-          </a:p>
-          <a:p>
-            <a:r>
-              <a:rPr lang="en-US" dirty="0"/>
-              <a:t>print(</a:t>
-            </a:r>
-            <a:r>
-              <a:rPr lang="en-US" dirty="0" err="1"/>
-              <a:t>sepal_width.anova</a:t>
-            </a:r>
-            <a:r>
-              <a:rPr lang="en-US" dirty="0"/>
-              <a:t>)</a:t>
-            </a:r>
-          </a:p>
-          <a:p>
-            <a:r>
-              <a:rPr lang="en-US" dirty="0"/>
-              <a:t>print(</a:t>
-            </a:r>
-            <a:r>
-              <a:rPr lang="en-US" dirty="0" err="1"/>
-              <a:t>petal_length.anova</a:t>
-            </a:r>
-            <a:r>
-              <a:rPr lang="en-US" dirty="0"/>
-              <a:t>)</a:t>
-            </a:r>
-          </a:p>
-          <a:p>
-            <a:r>
-              <a:rPr lang="en-US" dirty="0"/>
-              <a:t>print(</a:t>
-            </a:r>
-            <a:r>
-              <a:rPr lang="en-US" dirty="0" err="1"/>
-              <a:t>petal_width.anova</a:t>
-            </a:r>
-            <a:r>
-              <a:rPr lang="en-US" dirty="0"/>
-              <a:t>)</a:t>
-            </a:r>
-          </a:p>
-          <a:p>
-            <a:r>
-              <a:rPr lang="en-US" dirty="0"/>
-              <a:t>sink()</a:t>
-            </a:r>
-          </a:p>
-        </p:txBody>
-      </p:sp>
-    </p:spTree>
-    <p:extLst>
-      <p:ext uri="{BB962C8B-B14F-4D97-AF65-F5344CB8AC3E}">
-        <p14:creationId xmlns:p14="http://schemas.microsoft.com/office/powerpoint/2010/main" val="806821756"/>
-      </p:ext>
-    </p:extLst>
-  </p:cSld>
-  <p:clrMapOvr>
-    <a:masterClrMapping/>
-  </p:clrMapOvr>
-</p:sld>
-</file>
-
-<file path=ppt/slides/slide13.xml><?xml version="1.0" encoding="utf-8"?>
-<p:sld xmlns:a="http://schemas.openxmlformats.org/drawingml/2006/main" xmlns:r="http://schemas.openxmlformats.org/officeDocument/2006/relationships" xmlns:p="http://schemas.openxmlformats.org/presentationml/2006/main">
-  <p:cSld>
-    <p:spTree>
-      <p:nvGrpSpPr>
-        <p:cNvPr id="1" name=""/>
-        <p:cNvGrpSpPr/>
-        <p:nvPr/>
-      </p:nvGrpSpPr>
-      <p:grpSpPr>
-        <a:xfrm>
-          <a:off x="0" y="0"/>
-          <a:ext cx="0" cy="0"/>
-          <a:chOff x="0" y="0"/>
-          <a:chExt cx="0" cy="0"/>
-        </a:xfrm>
-      </p:grpSpPr>
-      <p:sp>
-        <p:nvSpPr>
-          <p:cNvPr id="2" name="TextBox 1"/>
-          <p:cNvSpPr txBox="1"/>
-          <p:nvPr/>
-        </p:nvSpPr>
-        <p:spPr>
-          <a:xfrm>
-            <a:off x="3685836" y="823317"/>
-            <a:ext cx="4617867" cy="523220"/>
-          </a:xfrm>
-          <a:prstGeom prst="rect">
-            <a:avLst/>
-          </a:prstGeom>
-          <a:noFill/>
-        </p:spPr>
-        <p:txBody>
-          <a:bodyPr wrap="none" rtlCol="0">
-            <a:spAutoFit/>
-          </a:bodyPr>
-          <a:lstStyle/>
-          <a:p>
-            <a:r>
-              <a:rPr lang="en-US" sz="2800" dirty="0"/>
-              <a:t>R – anatomy of a basic R script</a:t>
-            </a:r>
-          </a:p>
-        </p:txBody>
-      </p:sp>
-      <p:sp>
-        <p:nvSpPr>
-          <p:cNvPr id="8" name="TextBox 7">
-            <a:hlinkClick r:id="rId2"/>
-            <a:extLst>
-              <a:ext uri="{FF2B5EF4-FFF2-40B4-BE49-F238E27FC236}">
-                <a16:creationId xmlns:a16="http://schemas.microsoft.com/office/drawing/2014/main" id="{507A534A-E36F-4240-AEBF-00401B706F35}"/>
-              </a:ext>
-            </a:extLst>
-          </p:cNvPr>
-          <p:cNvSpPr txBox="1"/>
-          <p:nvPr/>
-        </p:nvSpPr>
-        <p:spPr>
-          <a:xfrm>
-            <a:off x="2679002" y="1823303"/>
-            <a:ext cx="7442200" cy="646331"/>
-          </a:xfrm>
-          <a:prstGeom prst="rect">
-            <a:avLst/>
-          </a:prstGeom>
-          <a:noFill/>
-        </p:spPr>
-        <p:txBody>
-          <a:bodyPr wrap="square">
-            <a:spAutoFit/>
-          </a:bodyPr>
-          <a:lstStyle/>
-          <a:p>
-            <a:r>
-              <a:rPr lang="en-US" dirty="0">
-                <a:hlinkClick r:id="rId2"/>
-              </a:rPr>
-              <a:t>https://github.com/gbabbitt/RocASAsamples/blob/main/iris_code.R</a:t>
-            </a:r>
-            <a:endParaRPr lang="en-US" dirty="0"/>
-          </a:p>
-          <a:p>
-            <a:endParaRPr lang="en-US" dirty="0"/>
-          </a:p>
-        </p:txBody>
-      </p:sp>
-      <p:sp>
-        <p:nvSpPr>
-          <p:cNvPr id="10" name="TextBox 9">
-            <a:hlinkClick r:id="rId3"/>
-            <a:extLst>
-              <a:ext uri="{FF2B5EF4-FFF2-40B4-BE49-F238E27FC236}">
-                <a16:creationId xmlns:a16="http://schemas.microsoft.com/office/drawing/2014/main" id="{5F18CFE3-901F-4D49-9BB0-0796D6D87C22}"/>
-              </a:ext>
-            </a:extLst>
-          </p:cNvPr>
-          <p:cNvSpPr txBox="1"/>
-          <p:nvPr/>
-        </p:nvSpPr>
-        <p:spPr>
-          <a:xfrm>
-            <a:off x="3740171" y="3053834"/>
-            <a:ext cx="4509198" cy="646331"/>
-          </a:xfrm>
-          <a:prstGeom prst="rect">
-            <a:avLst/>
-          </a:prstGeom>
-          <a:noFill/>
-        </p:spPr>
-        <p:txBody>
-          <a:bodyPr wrap="square">
-            <a:spAutoFit/>
-          </a:bodyPr>
-          <a:lstStyle/>
-          <a:p>
-            <a:r>
-              <a:rPr lang="en-US" dirty="0">
-                <a:hlinkClick r:id="rId3"/>
-              </a:rPr>
-              <a:t>https://gbabbitt.github.io/RocASAsamples/</a:t>
-            </a:r>
-            <a:endParaRPr lang="en-US" dirty="0"/>
-          </a:p>
-          <a:p>
-            <a:endParaRPr lang="en-US" dirty="0"/>
-          </a:p>
-        </p:txBody>
-      </p:sp>
-      <p:sp>
-        <p:nvSpPr>
-          <p:cNvPr id="11" name="TextBox 10">
-            <a:extLst>
-              <a:ext uri="{FF2B5EF4-FFF2-40B4-BE49-F238E27FC236}">
-                <a16:creationId xmlns:a16="http://schemas.microsoft.com/office/drawing/2014/main" id="{B9C16F4F-04D3-4930-8609-A1B60DFB4DF2}"/>
-              </a:ext>
-            </a:extLst>
-          </p:cNvPr>
-          <p:cNvSpPr txBox="1"/>
-          <p:nvPr/>
-        </p:nvSpPr>
-        <p:spPr>
-          <a:xfrm>
-            <a:off x="4269578" y="2577068"/>
-            <a:ext cx="3119444" cy="369332"/>
-          </a:xfrm>
-          <a:prstGeom prst="rect">
-            <a:avLst/>
-          </a:prstGeom>
-          <a:noFill/>
-        </p:spPr>
-        <p:txBody>
-          <a:bodyPr wrap="none" rtlCol="0">
-            <a:spAutoFit/>
-          </a:bodyPr>
-          <a:lstStyle/>
-          <a:p>
-            <a:r>
-              <a:rPr lang="en-US" dirty="0">
-                <a:solidFill>
-                  <a:srgbClr val="FF0000"/>
-                </a:solidFill>
-              </a:rPr>
-              <a:t>Dr Babbitt’s starter code library</a:t>
-            </a:r>
-          </a:p>
-        </p:txBody>
-      </p:sp>
-      <p:sp>
-        <p:nvSpPr>
-          <p:cNvPr id="12" name="TextBox 11">
-            <a:extLst>
-              <a:ext uri="{FF2B5EF4-FFF2-40B4-BE49-F238E27FC236}">
-                <a16:creationId xmlns:a16="http://schemas.microsoft.com/office/drawing/2014/main" id="{D382DA10-528F-452B-888C-89A58A8BBB53}"/>
-              </a:ext>
-            </a:extLst>
-          </p:cNvPr>
-          <p:cNvSpPr txBox="1"/>
-          <p:nvPr/>
-        </p:nvSpPr>
-        <p:spPr>
-          <a:xfrm>
-            <a:off x="3740171" y="1346537"/>
-            <a:ext cx="4675704" cy="369332"/>
-          </a:xfrm>
-          <a:prstGeom prst="rect">
-            <a:avLst/>
-          </a:prstGeom>
-          <a:noFill/>
-        </p:spPr>
-        <p:txBody>
-          <a:bodyPr wrap="none" rtlCol="0">
-            <a:spAutoFit/>
-          </a:bodyPr>
-          <a:lstStyle/>
-          <a:p>
-            <a:r>
-              <a:rPr lang="en-US" dirty="0">
-                <a:solidFill>
-                  <a:srgbClr val="FF0000"/>
-                </a:solidFill>
-              </a:rPr>
-              <a:t>Starter code example for anatomy of an R script</a:t>
-            </a:r>
-          </a:p>
-        </p:txBody>
-      </p:sp>
-    </p:spTree>
-    <p:extLst>
-      <p:ext uri="{BB962C8B-B14F-4D97-AF65-F5344CB8AC3E}">
-        <p14:creationId xmlns:p14="http://schemas.microsoft.com/office/powerpoint/2010/main" val="2893504031"/>
-      </p:ext>
-    </p:extLst>
-  </p:cSld>
-  <p:clrMapOvr>
-    <a:masterClrMapping/>
-  </p:clrMapOvr>
-</p:sld>
-</file>
-
-<file path=ppt/slides/slide2.xml><?xml version="1.0" encoding="utf-8"?>
-<p:sld xmlns:a="http://schemas.openxmlformats.org/drawingml/2006/main" xmlns:r="http://schemas.openxmlformats.org/officeDocument/2006/relationships" xmlns:p="http://schemas.openxmlformats.org/presentationml/2006/main">
-  <p:cSld>
-    <p:spTree>
-      <p:nvGrpSpPr>
-        <p:cNvPr id="1" name=""/>
-        <p:cNvGrpSpPr/>
-        <p:nvPr/>
-      </p:nvGrpSpPr>
-      <p:grpSpPr>
-        <a:xfrm>
-          <a:off x="0" y="0"/>
-          <a:ext cx="0" cy="0"/>
-          <a:chOff x="0" y="0"/>
-          <a:chExt cx="0" cy="0"/>
-        </a:xfrm>
-      </p:grpSpPr>
-      <p:pic>
-        <p:nvPicPr>
-          <p:cNvPr id="4" name="Picture 3" descr="February « 2014 « paleoaerie"/>
-          <p:cNvPicPr>
-            <a:picLocks noChangeAspect="1"/>
-          </p:cNvPicPr>
-          <p:nvPr/>
-        </p:nvPicPr>
-        <p:blipFill>
-          <a:blip r:embed="rId2">
-            <a:extLst>
-              <a:ext uri="{28A0092B-C50C-407E-A947-70E740481C1C}">
-                <a14:useLocalDpi xmlns:a14="http://schemas.microsoft.com/office/drawing/2010/main" val="0"/>
-              </a:ext>
-            </a:extLst>
-          </a:blip>
-          <a:stretch>
-            <a:fillRect/>
-          </a:stretch>
-        </p:blipFill>
-        <p:spPr>
-          <a:xfrm>
-            <a:off x="2230811" y="412072"/>
-            <a:ext cx="7897912" cy="6065596"/>
-          </a:xfrm>
-          <a:prstGeom prst="rect">
-            <a:avLst/>
-          </a:prstGeom>
-        </p:spPr>
-      </p:pic>
-      <p:pic>
-        <p:nvPicPr>
-          <p:cNvPr id="5" name="Picture 4" descr="images - Surround object (semitransparent png alpha) by ..."/>
-          <p:cNvPicPr>
-            <a:picLocks noChangeAspect="1"/>
-          </p:cNvPicPr>
-          <p:nvPr/>
-        </p:nvPicPr>
-        <p:blipFill>
-          <a:blip r:embed="rId3" cstate="print">
-            <a:extLst>
-              <a:ext uri="{28A0092B-C50C-407E-A947-70E740481C1C}">
-                <a14:useLocalDpi xmlns:a14="http://schemas.microsoft.com/office/drawing/2010/main" val="0"/>
-              </a:ext>
-            </a:extLst>
-          </a:blip>
-          <a:stretch>
-            <a:fillRect/>
-          </a:stretch>
-        </p:blipFill>
-        <p:spPr>
-          <a:xfrm>
-            <a:off x="8374436" y="4259955"/>
-            <a:ext cx="1219200" cy="693836"/>
-          </a:xfrm>
-          <a:prstGeom prst="rect">
-            <a:avLst/>
-          </a:prstGeom>
-        </p:spPr>
-      </p:pic>
-      <p:pic>
-        <p:nvPicPr>
-          <p:cNvPr id="7" name="Picture 6" descr="Proteus: Design for a 'space station' in the ocean ..."/>
-          <p:cNvPicPr>
-            <a:picLocks noChangeAspect="1"/>
-          </p:cNvPicPr>
-          <p:nvPr/>
-        </p:nvPicPr>
-        <p:blipFill rotWithShape="1">
-          <a:blip r:embed="rId4" cstate="print">
-            <a:extLst>
-              <a:ext uri="{BEBA8EAE-BF5A-486C-A8C5-ECC9F3942E4B}">
-                <a14:imgProps xmlns:a14="http://schemas.microsoft.com/office/drawing/2010/main">
-                  <a14:imgLayer r:embed="rId5">
-                    <a14:imgEffect>
-                      <a14:artisticPaintStrokes/>
-                    </a14:imgEffect>
-                  </a14:imgLayer>
-                </a14:imgProps>
-              </a:ext>
-              <a:ext uri="{28A0092B-C50C-407E-A947-70E740481C1C}">
-                <a14:useLocalDpi xmlns:a14="http://schemas.microsoft.com/office/drawing/2010/main" val="0"/>
-              </a:ext>
-            </a:extLst>
-          </a:blip>
-          <a:srcRect r="33573" b="25899"/>
-          <a:stretch/>
-        </p:blipFill>
-        <p:spPr>
-          <a:xfrm>
-            <a:off x="5544394" y="4403027"/>
-            <a:ext cx="1027856" cy="645223"/>
-          </a:xfrm>
-          <a:prstGeom prst="rect">
-            <a:avLst/>
-          </a:prstGeom>
-        </p:spPr>
-      </p:pic>
-      <p:pic>
-        <p:nvPicPr>
-          <p:cNvPr id="8" name="Picture 7" descr="Submarine PNG"/>
-          <p:cNvPicPr>
-            <a:picLocks noChangeAspect="1"/>
-          </p:cNvPicPr>
-          <p:nvPr/>
-        </p:nvPicPr>
-        <p:blipFill>
-          <a:blip r:embed="rId6" cstate="print">
-            <a:extLst>
-              <a:ext uri="{28A0092B-C50C-407E-A947-70E740481C1C}">
-                <a14:useLocalDpi xmlns:a14="http://schemas.microsoft.com/office/drawing/2010/main" val="0"/>
-              </a:ext>
-            </a:extLst>
-          </a:blip>
-          <a:stretch>
-            <a:fillRect/>
-          </a:stretch>
-        </p:blipFill>
-        <p:spPr>
-          <a:xfrm>
-            <a:off x="5349131" y="2661679"/>
-            <a:ext cx="1004044" cy="709942"/>
-          </a:xfrm>
-          <a:prstGeom prst="rect">
-            <a:avLst/>
-          </a:prstGeom>
-        </p:spPr>
-      </p:pic>
-      <p:pic>
-        <p:nvPicPr>
-          <p:cNvPr id="9" name="Picture 8" descr="A cartoon intro to ArrayBuffers and SharedArrayBuffers ..."/>
-          <p:cNvPicPr>
-            <a:picLocks noChangeAspect="1"/>
-          </p:cNvPicPr>
-          <p:nvPr/>
-        </p:nvPicPr>
-        <p:blipFill>
-          <a:blip r:embed="rId7">
-            <a:extLst>
-              <a:ext uri="{28A0092B-C50C-407E-A947-70E740481C1C}">
-                <a14:useLocalDpi xmlns:a14="http://schemas.microsoft.com/office/drawing/2010/main" val="0"/>
-              </a:ext>
-            </a:extLst>
-          </a:blip>
-          <a:stretch>
-            <a:fillRect/>
-          </a:stretch>
-        </p:blipFill>
-        <p:spPr>
-          <a:xfrm>
-            <a:off x="5035607" y="5780204"/>
-            <a:ext cx="3726695" cy="454657"/>
-          </a:xfrm>
-          <a:prstGeom prst="rect">
-            <a:avLst/>
-          </a:prstGeom>
-        </p:spPr>
-      </p:pic>
-      <p:pic>
-        <p:nvPicPr>
-          <p:cNvPr id="10" name="Picture 9" descr="Swimming PNG Transparent Images | PNG All"/>
-          <p:cNvPicPr>
-            <a:picLocks noChangeAspect="1"/>
-          </p:cNvPicPr>
-          <p:nvPr/>
-        </p:nvPicPr>
-        <p:blipFill>
-          <a:blip r:embed="rId8" cstate="print">
-            <a:extLst>
-              <a:ext uri="{28A0092B-C50C-407E-A947-70E740481C1C}">
-                <a14:useLocalDpi xmlns:a14="http://schemas.microsoft.com/office/drawing/2010/main" val="0"/>
-              </a:ext>
-            </a:extLst>
-          </a:blip>
-          <a:stretch>
-            <a:fillRect/>
-          </a:stretch>
-        </p:blipFill>
-        <p:spPr>
-          <a:xfrm>
-            <a:off x="6686550" y="2112333"/>
-            <a:ext cx="1123474" cy="608548"/>
-          </a:xfrm>
-          <a:prstGeom prst="rect">
-            <a:avLst/>
-          </a:prstGeom>
-        </p:spPr>
-      </p:pic>
-      <p:sp>
-        <p:nvSpPr>
-          <p:cNvPr id="12" name="TextBox 11"/>
-          <p:cNvSpPr txBox="1"/>
-          <p:nvPr/>
-        </p:nvSpPr>
-        <p:spPr>
-          <a:xfrm>
-            <a:off x="4727961" y="3290983"/>
-            <a:ext cx="2204258" cy="307777"/>
-          </a:xfrm>
-          <a:prstGeom prst="rect">
-            <a:avLst/>
-          </a:prstGeom>
-          <a:noFill/>
-        </p:spPr>
-        <p:txBody>
-          <a:bodyPr wrap="none" rtlCol="0">
-            <a:spAutoFit/>
-          </a:bodyPr>
-          <a:lstStyle/>
-          <a:p>
-            <a:r>
-              <a:rPr lang="en-US" sz="1400" dirty="0"/>
-              <a:t>packages/modules/libraries</a:t>
-            </a:r>
-          </a:p>
-        </p:txBody>
-      </p:sp>
-      <p:sp>
-        <p:nvSpPr>
-          <p:cNvPr id="13" name="TextBox 12"/>
-          <p:cNvSpPr txBox="1"/>
-          <p:nvPr/>
-        </p:nvSpPr>
-        <p:spPr>
-          <a:xfrm>
-            <a:off x="6058322" y="2528292"/>
-            <a:ext cx="2431948" cy="307777"/>
-          </a:xfrm>
-          <a:prstGeom prst="rect">
-            <a:avLst/>
-          </a:prstGeom>
-          <a:noFill/>
-        </p:spPr>
-        <p:txBody>
-          <a:bodyPr wrap="none" rtlCol="0">
-            <a:spAutoFit/>
-          </a:bodyPr>
-          <a:lstStyle/>
-          <a:p>
-            <a:r>
-              <a:rPr lang="en-US" sz="1400" dirty="0" err="1"/>
-              <a:t>perl</a:t>
-            </a:r>
-            <a:r>
-              <a:rPr lang="en-US" sz="1400" dirty="0"/>
-              <a:t>/JS/python/R/ruby (script)</a:t>
-            </a:r>
-          </a:p>
-        </p:txBody>
-      </p:sp>
-      <p:sp>
-        <p:nvSpPr>
-          <p:cNvPr id="14" name="TextBox 13"/>
-          <p:cNvSpPr txBox="1"/>
-          <p:nvPr/>
-        </p:nvSpPr>
-        <p:spPr>
-          <a:xfrm>
-            <a:off x="8031995" y="3987351"/>
-            <a:ext cx="2096728" cy="307777"/>
-          </a:xfrm>
-          <a:prstGeom prst="rect">
-            <a:avLst/>
-          </a:prstGeom>
-          <a:noFill/>
-        </p:spPr>
-        <p:txBody>
-          <a:bodyPr wrap="none" rtlCol="0">
-            <a:spAutoFit/>
-          </a:bodyPr>
-          <a:lstStyle/>
-          <a:p>
-            <a:r>
-              <a:rPr lang="en-US" sz="1400" dirty="0"/>
-              <a:t>Java runtime environment</a:t>
-            </a:r>
-          </a:p>
-        </p:txBody>
-      </p:sp>
-      <p:sp>
-        <p:nvSpPr>
-          <p:cNvPr id="15" name="TextBox 14"/>
-          <p:cNvSpPr txBox="1"/>
-          <p:nvPr/>
-        </p:nvSpPr>
-        <p:spPr>
-          <a:xfrm>
-            <a:off x="3350857" y="5812846"/>
-            <a:ext cx="1467581" cy="369332"/>
-          </a:xfrm>
-          <a:prstGeom prst="rect">
-            <a:avLst/>
-          </a:prstGeom>
-          <a:noFill/>
-        </p:spPr>
-        <p:txBody>
-          <a:bodyPr wrap="none" rtlCol="0">
-            <a:spAutoFit/>
-          </a:bodyPr>
-          <a:lstStyle/>
-          <a:p>
-            <a:r>
-              <a:rPr lang="en-US" dirty="0">
-                <a:solidFill>
-                  <a:schemeClr val="bg1"/>
-                </a:solidFill>
-              </a:rPr>
-              <a:t>your machine</a:t>
-            </a:r>
-          </a:p>
-        </p:txBody>
-      </p:sp>
-      <p:sp>
-        <p:nvSpPr>
-          <p:cNvPr id="16" name="TextBox 15"/>
-          <p:cNvSpPr txBox="1"/>
-          <p:nvPr/>
-        </p:nvSpPr>
-        <p:spPr>
-          <a:xfrm>
-            <a:off x="7359010" y="3382077"/>
-            <a:ext cx="2268506" cy="369332"/>
-          </a:xfrm>
-          <a:prstGeom prst="rect">
-            <a:avLst/>
-          </a:prstGeom>
-          <a:noFill/>
-        </p:spPr>
-        <p:txBody>
-          <a:bodyPr wrap="none" rtlCol="0">
-            <a:spAutoFit/>
-          </a:bodyPr>
-          <a:lstStyle/>
-          <a:p>
-            <a:r>
-              <a:rPr lang="en-US" dirty="0">
-                <a:solidFill>
-                  <a:schemeClr val="bg1"/>
-                </a:solidFill>
-              </a:rPr>
-              <a:t>your operating system</a:t>
-            </a:r>
-          </a:p>
-        </p:txBody>
-      </p:sp>
-      <p:sp>
-        <p:nvSpPr>
-          <p:cNvPr id="17" name="TextBox 16"/>
-          <p:cNvSpPr txBox="1"/>
-          <p:nvPr/>
-        </p:nvSpPr>
-        <p:spPr>
-          <a:xfrm>
-            <a:off x="4580575" y="623139"/>
-            <a:ext cx="3953390" cy="369332"/>
-          </a:xfrm>
-          <a:prstGeom prst="rect">
-            <a:avLst/>
-          </a:prstGeom>
-          <a:noFill/>
-        </p:spPr>
-        <p:txBody>
-          <a:bodyPr wrap="none" rtlCol="0">
-            <a:spAutoFit/>
-          </a:bodyPr>
-          <a:lstStyle/>
-          <a:p>
-            <a:r>
-              <a:rPr lang="en-US" dirty="0">
-                <a:solidFill>
-                  <a:schemeClr val="bg1"/>
-                </a:solidFill>
-              </a:rPr>
-              <a:t>high level versus low level programming</a:t>
-            </a:r>
-          </a:p>
-        </p:txBody>
-      </p:sp>
-      <p:sp>
-        <p:nvSpPr>
-          <p:cNvPr id="18" name="TextBox 17"/>
-          <p:cNvSpPr txBox="1"/>
-          <p:nvPr/>
-        </p:nvSpPr>
-        <p:spPr>
-          <a:xfrm>
-            <a:off x="8599390" y="2400069"/>
-            <a:ext cx="994247" cy="523220"/>
-          </a:xfrm>
-          <a:prstGeom prst="rect">
-            <a:avLst/>
-          </a:prstGeom>
-          <a:noFill/>
-        </p:spPr>
-        <p:txBody>
-          <a:bodyPr wrap="none" rtlCol="0">
-            <a:spAutoFit/>
-          </a:bodyPr>
-          <a:lstStyle/>
-          <a:p>
-            <a:r>
-              <a:rPr lang="en-US" sz="1400" dirty="0"/>
-              <a:t>existing</a:t>
-            </a:r>
-          </a:p>
-          <a:p>
-            <a:r>
-              <a:rPr lang="en-US" sz="1400" dirty="0"/>
-              <a:t>application</a:t>
-            </a:r>
-          </a:p>
-        </p:txBody>
-      </p:sp>
-      <p:sp>
-        <p:nvSpPr>
-          <p:cNvPr id="19" name="TextBox 18"/>
-          <p:cNvSpPr txBox="1"/>
-          <p:nvPr/>
-        </p:nvSpPr>
-        <p:spPr>
-          <a:xfrm>
-            <a:off x="5053945" y="4016998"/>
-            <a:ext cx="2255617" cy="307777"/>
-          </a:xfrm>
-          <a:prstGeom prst="rect">
-            <a:avLst/>
-          </a:prstGeom>
-          <a:noFill/>
-        </p:spPr>
-        <p:txBody>
-          <a:bodyPr wrap="none" rtlCol="0">
-            <a:spAutoFit/>
-          </a:bodyPr>
-          <a:lstStyle/>
-          <a:p>
-            <a:r>
-              <a:rPr lang="en-US" sz="1400" dirty="0"/>
-              <a:t>compiled C/BASIC/FORTRAN</a:t>
-            </a:r>
-          </a:p>
-        </p:txBody>
-      </p:sp>
-      <p:sp>
-        <p:nvSpPr>
-          <p:cNvPr id="23" name="TextBox 22"/>
-          <p:cNvSpPr txBox="1"/>
-          <p:nvPr/>
-        </p:nvSpPr>
-        <p:spPr>
-          <a:xfrm>
-            <a:off x="7359011" y="4905561"/>
-            <a:ext cx="891101" cy="461665"/>
-          </a:xfrm>
-          <a:prstGeom prst="rect">
-            <a:avLst/>
-          </a:prstGeom>
-          <a:solidFill>
-            <a:schemeClr val="tx1"/>
-          </a:solidFill>
-        </p:spPr>
-        <p:txBody>
-          <a:bodyPr wrap="square" rtlCol="0">
-            <a:spAutoFit/>
-          </a:bodyPr>
-          <a:lstStyle/>
-          <a:p>
-            <a:r>
-              <a:rPr lang="en-US" sz="1200" dirty="0">
-                <a:solidFill>
-                  <a:schemeClr val="bg2"/>
-                </a:solidFill>
-              </a:rPr>
-              <a:t>assembly</a:t>
-            </a:r>
-          </a:p>
-          <a:p>
-            <a:r>
-              <a:rPr lang="en-US" sz="1200" dirty="0">
-                <a:solidFill>
-                  <a:schemeClr val="bg2"/>
-                </a:solidFill>
-              </a:rPr>
-              <a:t> language</a:t>
-            </a:r>
-          </a:p>
-        </p:txBody>
-      </p:sp>
-      <p:pic>
-        <p:nvPicPr>
-          <p:cNvPr id="2" name="Picture 1" descr="Ilustración gratis: Bote De Vela, Dibujos Animados ..."/>
-          <p:cNvPicPr>
-            <a:picLocks noChangeAspect="1"/>
-          </p:cNvPicPr>
-          <p:nvPr/>
-        </p:nvPicPr>
-        <p:blipFill>
-          <a:blip r:embed="rId9" cstate="print">
-            <a:extLst>
-              <a:ext uri="{28A0092B-C50C-407E-A947-70E740481C1C}">
-                <a14:useLocalDpi xmlns:a14="http://schemas.microsoft.com/office/drawing/2010/main" val="0"/>
-              </a:ext>
-            </a:extLst>
-          </a:blip>
-          <a:stretch>
-            <a:fillRect/>
-          </a:stretch>
-        </p:blipFill>
-        <p:spPr>
-          <a:xfrm>
-            <a:off x="3854817" y="1904709"/>
-            <a:ext cx="949122" cy="711842"/>
-          </a:xfrm>
-          <a:prstGeom prst="rect">
-            <a:avLst/>
-          </a:prstGeom>
-        </p:spPr>
-      </p:pic>
-      <p:sp>
-        <p:nvSpPr>
-          <p:cNvPr id="24" name="TextBox 23"/>
-          <p:cNvSpPr txBox="1"/>
-          <p:nvPr/>
-        </p:nvSpPr>
-        <p:spPr>
-          <a:xfrm>
-            <a:off x="4322345" y="2394711"/>
-            <a:ext cx="994247" cy="523220"/>
-          </a:xfrm>
-          <a:prstGeom prst="rect">
-            <a:avLst/>
-          </a:prstGeom>
-          <a:noFill/>
-        </p:spPr>
-        <p:txBody>
-          <a:bodyPr wrap="none" rtlCol="0">
-            <a:spAutoFit/>
-          </a:bodyPr>
-          <a:lstStyle/>
-          <a:p>
-            <a:r>
-              <a:rPr lang="en-US" sz="1400" dirty="0"/>
-              <a:t>existing</a:t>
-            </a:r>
-          </a:p>
-          <a:p>
-            <a:r>
-              <a:rPr lang="en-US" sz="1400" dirty="0"/>
-              <a:t>application</a:t>
-            </a:r>
-          </a:p>
-        </p:txBody>
-      </p:sp>
-      <p:sp>
-        <p:nvSpPr>
-          <p:cNvPr id="3" name="TextBox 2"/>
-          <p:cNvSpPr txBox="1"/>
-          <p:nvPr/>
-        </p:nvSpPr>
-        <p:spPr>
-          <a:xfrm>
-            <a:off x="4606030" y="1932631"/>
-            <a:ext cx="3494290" cy="307777"/>
-          </a:xfrm>
-          <a:prstGeom prst="rect">
-            <a:avLst/>
-          </a:prstGeom>
-          <a:noFill/>
-        </p:spPr>
-        <p:txBody>
-          <a:bodyPr wrap="none" rtlCol="0">
-            <a:spAutoFit/>
-          </a:bodyPr>
-          <a:lstStyle/>
-          <a:p>
-            <a:r>
-              <a:rPr lang="en-US" sz="1400" dirty="0"/>
-              <a:t>pipelining = connecting applications via script</a:t>
-            </a:r>
-          </a:p>
-        </p:txBody>
-      </p:sp>
-    </p:spTree>
-    <p:extLst>
-      <p:ext uri="{BB962C8B-B14F-4D97-AF65-F5344CB8AC3E}">
-        <p14:creationId xmlns:p14="http://schemas.microsoft.com/office/powerpoint/2010/main" val="4234112969"/>
-      </p:ext>
-    </p:extLst>
-  </p:cSld>
-  <p:clrMapOvr>
-    <a:masterClrMapping/>
-  </p:clrMapOvr>
+  <p:timing>
+    <p:tnLst>
+      <p:par>
+        <p:cTn id="1" dur="indefinite" restart="never" nodeType="tmRoot"/>
+      </p:par>
+    </p:tnLst>
+  </p:timing>
 </p:sld>
 </file>
 
 <file path=ppt/slides/slide3.xml><?xml version="1.0" encoding="utf-8"?>
 <p:sld xmlns:a="http://schemas.openxmlformats.org/drawingml/2006/main" xmlns:r="http://schemas.openxmlformats.org/officeDocument/2006/relationships" xmlns:p="http://schemas.openxmlformats.org/presentationml/2006/main">
   <p:cSld>
+    <p:bg>
+      <p:bgPr>
+        <a:solidFill>
+          <a:schemeClr val="accent6">
+            <a:lumMod val="60000"/>
+            <a:lumOff val="40000"/>
+          </a:schemeClr>
+        </a:solidFill>
+        <a:effectLst/>
+      </p:bgPr>
+    </p:bg>
     <p:spTree>
       <p:nvGrpSpPr>
         <p:cNvPr id="1" name=""/>
@@ -5851,7 +5811,7 @@
           <p:nvPr>
             <p:extLst>
               <p:ext uri="{D42A27DB-BD31-4B8C-83A1-F6EECF244321}">
-                <p14:modId xmlns:p14="http://schemas.microsoft.com/office/powerpoint/2010/main" val="3620905283"/>
+                <p14:modId xmlns:p14="http://schemas.microsoft.com/office/powerpoint/2010/main" val="4141326409"/>
               </p:ext>
             </p:extLst>
           </p:nvPr>
@@ -6015,12 +5975,12 @@
                     <a:lstStyle/>
                     <a:p>
                       <a:r>
-                        <a:rPr lang="en-US" dirty="0" err="1" smtClean="0"/>
-                        <a:t>Javascript</a:t>
+                        <a:rPr lang="en-US" dirty="0" smtClean="0"/>
+                        <a:t>JavaScript </a:t>
                       </a:r>
                       <a:r>
                         <a:rPr lang="en-US" dirty="0" smtClean="0"/>
-                        <a:t> (JS)</a:t>
+                        <a:t>(JS)</a:t>
                       </a:r>
                       <a:endParaRPr lang="en-US" dirty="0"/>
                     </a:p>
@@ -6313,241 +6273,30 @@
   <p:clrMapOvr>
     <a:masterClrMapping/>
   </p:clrMapOvr>
+  <p:timing>
+    <p:tnLst>
+      <p:par>
+        <p:cTn id="1" dur="indefinite" restart="never" nodeType="tmRoot"/>
+      </p:par>
+    </p:tnLst>
+  </p:timing>
 </p:sld>
 </file>
 
 <file path=ppt/slides/slide4.xml><?xml version="1.0" encoding="utf-8"?>
 <p:sld xmlns:a="http://schemas.openxmlformats.org/drawingml/2006/main" xmlns:r="http://schemas.openxmlformats.org/officeDocument/2006/relationships" xmlns:p="http://schemas.openxmlformats.org/presentationml/2006/main">
   <p:cSld>
-    <p:spTree>
-      <p:nvGrpSpPr>
-        <p:cNvPr id="1" name=""/>
-        <p:cNvGrpSpPr/>
-        <p:nvPr/>
-      </p:nvGrpSpPr>
-      <p:grpSpPr>
-        <a:xfrm>
-          <a:off x="0" y="0"/>
-          <a:ext cx="0" cy="0"/>
-          <a:chOff x="0" y="0"/>
-          <a:chExt cx="0" cy="0"/>
-        </a:xfrm>
-      </p:grpSpPr>
-      <p:sp>
-        <p:nvSpPr>
-          <p:cNvPr id="2" name="TextBox 1"/>
-          <p:cNvSpPr txBox="1"/>
-          <p:nvPr/>
-        </p:nvSpPr>
-        <p:spPr>
-          <a:xfrm>
-            <a:off x="4317023" y="784042"/>
-            <a:ext cx="3341043" cy="523220"/>
-          </a:xfrm>
-          <a:prstGeom prst="rect">
-            <a:avLst/>
-          </a:prstGeom>
-          <a:noFill/>
-        </p:spPr>
-        <p:txBody>
-          <a:bodyPr wrap="none" rtlCol="0">
-            <a:spAutoFit/>
-          </a:bodyPr>
-          <a:lstStyle/>
-          <a:p>
-            <a:r>
-              <a:rPr lang="en-US" sz="2800" dirty="0"/>
-              <a:t>Best practices in code</a:t>
-            </a:r>
-          </a:p>
-        </p:txBody>
-      </p:sp>
-      <p:sp>
-        <p:nvSpPr>
-          <p:cNvPr id="3" name="TextBox 2"/>
-          <p:cNvSpPr txBox="1"/>
-          <p:nvPr/>
-        </p:nvSpPr>
-        <p:spPr>
-          <a:xfrm>
-            <a:off x="2025023" y="1818612"/>
-            <a:ext cx="8927380" cy="4247317"/>
-          </a:xfrm>
-          <a:prstGeom prst="rect">
-            <a:avLst/>
-          </a:prstGeom>
-          <a:noFill/>
-        </p:spPr>
-        <p:txBody>
-          <a:bodyPr wrap="none" rtlCol="0">
-            <a:spAutoFit/>
-          </a:bodyPr>
-          <a:lstStyle/>
-          <a:p>
-            <a:pPr marL="342900" indent="-342900">
-              <a:buAutoNum type="arabicPeriod"/>
-            </a:pPr>
-            <a:r>
-              <a:rPr lang="en-US" dirty="0"/>
-              <a:t>Write self-referential code (make variable names clear and explanatory)</a:t>
-            </a:r>
-          </a:p>
-          <a:p>
-            <a:pPr marL="342900" indent="-342900">
-              <a:buAutoNum type="arabicPeriod"/>
-            </a:pPr>
-            <a:r>
-              <a:rPr lang="en-US" dirty="0"/>
-              <a:t>Comment extensively (time spent is future time saved)</a:t>
-            </a:r>
-          </a:p>
-          <a:p>
-            <a:pPr marL="342900" indent="-342900">
-              <a:buAutoNum type="arabicPeriod"/>
-            </a:pPr>
-            <a:r>
-              <a:rPr lang="en-US" dirty="0"/>
-              <a:t>Indent for readability but without creating large blank spaces on the page</a:t>
-            </a:r>
-          </a:p>
-          <a:p>
-            <a:pPr marL="342900" indent="-342900">
-              <a:buAutoNum type="arabicPeriod"/>
-            </a:pPr>
-            <a:r>
-              <a:rPr lang="en-US" dirty="0"/>
-              <a:t>Use a sophisticated multi-language IDE with syntax checking</a:t>
-            </a:r>
-          </a:p>
-          <a:p>
-            <a:pPr marL="342900" indent="-342900">
-              <a:buAutoNum type="arabicPeriod"/>
-            </a:pPr>
-            <a:r>
-              <a:rPr lang="en-US" dirty="0"/>
-              <a:t>Use proper versioning (GitHub is awesome!)</a:t>
-            </a:r>
-          </a:p>
-          <a:p>
-            <a:pPr marL="342900" indent="-342900">
-              <a:buAutoNum type="arabicPeriod"/>
-            </a:pPr>
-            <a:r>
-              <a:rPr lang="en-US" dirty="0"/>
-              <a:t>Get well skilled with 1-2 a primary languages best suited for your work</a:t>
-            </a:r>
-          </a:p>
-          <a:p>
-            <a:pPr marL="342900" indent="-342900">
-              <a:buAutoNum type="arabicPeriod"/>
-            </a:pPr>
-            <a:r>
-              <a:rPr lang="en-US" dirty="0"/>
-              <a:t>Learn a few more alternative languages so you can use their features/libraries</a:t>
-            </a:r>
-          </a:p>
-          <a:p>
-            <a:pPr marL="342900" indent="-342900">
-              <a:buAutoNum type="arabicPeriod"/>
-            </a:pPr>
-            <a:r>
-              <a:rPr lang="en-US" dirty="0"/>
-              <a:t>Learn to pipeline a project with multiple languages</a:t>
-            </a:r>
-          </a:p>
-          <a:p>
-            <a:pPr marL="342900" indent="-342900">
-              <a:buAutoNum type="arabicPeriod"/>
-            </a:pPr>
-            <a:r>
-              <a:rPr lang="en-US" dirty="0"/>
-              <a:t>Write graphical interfaces for your most useful tools</a:t>
-            </a:r>
-          </a:p>
-          <a:p>
-            <a:pPr marL="342900" indent="-342900">
-              <a:buAutoNum type="arabicPeriod"/>
-            </a:pPr>
-            <a:r>
-              <a:rPr lang="en-US" dirty="0"/>
-              <a:t>Develop your code on Linux, even if you eventually deploy it in Win or Mac</a:t>
-            </a:r>
-          </a:p>
-          <a:p>
-            <a:pPr marL="342900" indent="-342900">
-              <a:buAutoNum type="arabicPeriod"/>
-            </a:pPr>
-            <a:r>
-              <a:rPr lang="en-US" dirty="0"/>
-              <a:t>Use a separate laptop for coding (especially low level)</a:t>
-            </a:r>
-          </a:p>
-          <a:p>
-            <a:pPr marL="342900" indent="-342900">
-              <a:buAutoNum type="arabicPeriod"/>
-            </a:pPr>
-            <a:r>
-              <a:rPr lang="en-US" dirty="0"/>
-              <a:t>Don’t use python for everything (use R for stats and graphics; use </a:t>
-            </a:r>
-            <a:r>
-              <a:rPr lang="en-US" dirty="0" err="1"/>
-              <a:t>perl</a:t>
-            </a:r>
-            <a:r>
-              <a:rPr lang="en-US" dirty="0"/>
-              <a:t> for text processing)</a:t>
-            </a:r>
-          </a:p>
-          <a:p>
-            <a:pPr marL="342900" indent="-342900">
-              <a:buAutoNum type="arabicPeriod"/>
-            </a:pPr>
-            <a:r>
-              <a:rPr lang="en-US" dirty="0"/>
-              <a:t>Don’t use compiled languages unless you need ‘instant speed’ (i.e. gaming)</a:t>
-            </a:r>
-          </a:p>
-          <a:p>
-            <a:pPr marL="342900" indent="-342900">
-              <a:buAutoNum type="arabicPeriod"/>
-            </a:pPr>
-            <a:r>
-              <a:rPr lang="en-US" dirty="0" err="1"/>
-              <a:t>Scipy</a:t>
-            </a:r>
-            <a:r>
-              <a:rPr lang="en-US" dirty="0"/>
-              <a:t> (python) is as fast as C and much quicker to develop and deploy</a:t>
-            </a:r>
-          </a:p>
-          <a:p>
-            <a:pPr marL="342900" indent="-342900">
-              <a:buAutoNum type="arabicPeriod"/>
-            </a:pPr>
-            <a:r>
-              <a:rPr lang="en-US" dirty="0"/>
-              <a:t>Use multi-core threading and GPU computing</a:t>
-            </a:r>
-          </a:p>
-        </p:txBody>
-      </p:sp>
-    </p:spTree>
-    <p:extLst>
-      <p:ext uri="{BB962C8B-B14F-4D97-AF65-F5344CB8AC3E}">
-        <p14:creationId xmlns:p14="http://schemas.microsoft.com/office/powerpoint/2010/main" val="461071755"/>
-      </p:ext>
-    </p:extLst>
-  </p:cSld>
-  <p:clrMapOvr>
-    <a:masterClrMapping/>
-  </p:clrMapOvr>
-</p:sld>
-</file>
-
-<file path=ppt/slides/slide5.xml><?xml version="1.0" encoding="utf-8"?>
-<p:sld xmlns:a="http://schemas.openxmlformats.org/drawingml/2006/main" xmlns:r="http://schemas.openxmlformats.org/officeDocument/2006/relationships" xmlns:p="http://schemas.openxmlformats.org/presentationml/2006/main">
-  <p:cSld>
+    <p:bg>
+      <p:bgPr>
+        <a:solidFill>
+          <a:schemeClr val="accent6">
+            <a:lumMod val="60000"/>
+            <a:lumOff val="40000"/>
+          </a:schemeClr>
+        </a:solidFill>
+        <a:effectLst/>
+      </p:bgPr>
+    </p:bg>
     <p:spTree>
       <p:nvGrpSpPr>
         <p:cNvPr id="1" name=""/>
@@ -7268,12 +7017,599 @@
   <p:clrMapOvr>
     <a:masterClrMapping/>
   </p:clrMapOvr>
+  <p:timing>
+    <p:tnLst>
+      <p:par>
+        <p:cTn id="1" dur="indefinite" restart="never" nodeType="tmRoot"/>
+      </p:par>
+    </p:tnLst>
+  </p:timing>
+</p:sld>
+</file>
+
+<file path=ppt/slides/slide5.xml><?xml version="1.0" encoding="utf-8"?>
+<p:sld xmlns:a="http://schemas.openxmlformats.org/drawingml/2006/main" xmlns:r="http://schemas.openxmlformats.org/officeDocument/2006/relationships" xmlns:p="http://schemas.openxmlformats.org/presentationml/2006/main">
+  <p:cSld>
+    <p:bg>
+      <p:bgPr>
+        <a:solidFill>
+          <a:schemeClr val="accent6">
+            <a:lumMod val="20000"/>
+            <a:lumOff val="80000"/>
+          </a:schemeClr>
+        </a:solidFill>
+        <a:effectLst/>
+      </p:bgPr>
+    </p:bg>
+    <p:spTree>
+      <p:nvGrpSpPr>
+        <p:cNvPr id="1" name=""/>
+        <p:cNvGrpSpPr/>
+        <p:nvPr/>
+      </p:nvGrpSpPr>
+      <p:grpSpPr>
+        <a:xfrm>
+          <a:off x="0" y="0"/>
+          <a:ext cx="0" cy="0"/>
+          <a:chOff x="0" y="0"/>
+          <a:chExt cx="0" cy="0"/>
+        </a:xfrm>
+      </p:grpSpPr>
+      <p:sp>
+        <p:nvSpPr>
+          <p:cNvPr id="5" name="TextBox 4"/>
+          <p:cNvSpPr txBox="1"/>
+          <p:nvPr/>
+        </p:nvSpPr>
+        <p:spPr>
+          <a:xfrm>
+            <a:off x="1543101" y="177316"/>
+            <a:ext cx="9686306" cy="523220"/>
+          </a:xfrm>
+          <a:prstGeom prst="rect">
+            <a:avLst/>
+          </a:prstGeom>
+          <a:noFill/>
+        </p:spPr>
+        <p:txBody>
+          <a:bodyPr wrap="none" rtlCol="0">
+            <a:spAutoFit/>
+          </a:bodyPr>
+          <a:lstStyle/>
+          <a:p>
+            <a:r>
+              <a:rPr lang="en-US" sz="2800" dirty="0"/>
+              <a:t>R – functional assignment, built-in functions and library functions</a:t>
+            </a:r>
+          </a:p>
+        </p:txBody>
+      </p:sp>
+      <p:sp>
+        <p:nvSpPr>
+          <p:cNvPr id="9" name="TextBox 8">
+            <a:extLst>
+              <a:ext uri="{FF2B5EF4-FFF2-40B4-BE49-F238E27FC236}">
+                <a16:creationId xmlns:a16="http://schemas.microsoft.com/office/drawing/2014/main" id="{C6496AC8-D6D5-41E7-AC89-BED3633AF949}"/>
+              </a:ext>
+            </a:extLst>
+          </p:cNvPr>
+          <p:cNvSpPr txBox="1"/>
+          <p:nvPr/>
+        </p:nvSpPr>
+        <p:spPr>
+          <a:xfrm>
+            <a:off x="7601274" y="4536996"/>
+            <a:ext cx="3828726" cy="1477328"/>
+          </a:xfrm>
+          <a:prstGeom prst="rect">
+            <a:avLst/>
+          </a:prstGeom>
+          <a:noFill/>
+        </p:spPr>
+        <p:txBody>
+          <a:bodyPr wrap="square" rtlCol="0">
+            <a:spAutoFit/>
+          </a:bodyPr>
+          <a:lstStyle/>
+          <a:p>
+            <a:r>
+              <a:rPr lang="en-US" dirty="0">
+                <a:solidFill>
+                  <a:srgbClr val="FF0000"/>
+                </a:solidFill>
+              </a:rPr>
+              <a:t>ALWAYS check R documentation carefully when using library functions</a:t>
+            </a:r>
+          </a:p>
+          <a:p>
+            <a:r>
+              <a:rPr lang="en-US" dirty="0">
+                <a:solidFill>
+                  <a:srgbClr val="FF0000"/>
+                </a:solidFill>
+              </a:rPr>
+              <a:t>MAKE SURE YOU ARE USING ARGUMENTS EXACTLY AS REQUIRED FOR EACH FUNCTION</a:t>
+            </a:r>
+          </a:p>
+        </p:txBody>
+      </p:sp>
+      <p:sp>
+        <p:nvSpPr>
+          <p:cNvPr id="16" name="TextBox 15">
+            <a:extLst>
+              <a:ext uri="{FF2B5EF4-FFF2-40B4-BE49-F238E27FC236}">
+                <a16:creationId xmlns:a16="http://schemas.microsoft.com/office/drawing/2014/main" id="{42CD3B59-A632-42F2-85E8-2FC530FDE5C6}"/>
+              </a:ext>
+            </a:extLst>
+          </p:cNvPr>
+          <p:cNvSpPr txBox="1"/>
+          <p:nvPr/>
+        </p:nvSpPr>
+        <p:spPr>
+          <a:xfrm>
+            <a:off x="762000" y="2421907"/>
+            <a:ext cx="6096000" cy="3970318"/>
+          </a:xfrm>
+          <a:prstGeom prst="rect">
+            <a:avLst/>
+          </a:prstGeom>
+          <a:noFill/>
+          <a:ln>
+            <a:solidFill>
+              <a:schemeClr val="tx1"/>
+            </a:solidFill>
+          </a:ln>
+        </p:spPr>
+        <p:txBody>
+          <a:bodyPr wrap="square">
+            <a:spAutoFit/>
+          </a:bodyPr>
+          <a:lstStyle/>
+          <a:p>
+            <a:r>
+              <a:rPr lang="en-US" dirty="0">
+                <a:solidFill>
+                  <a:schemeClr val="accent6">
+                    <a:lumMod val="75000"/>
+                  </a:schemeClr>
+                </a:solidFill>
+              </a:rPr>
+              <a:t>## Another example with the famous iris data</a:t>
+            </a:r>
+          </a:p>
+          <a:p>
+            <a:r>
+              <a:rPr lang="en-US" dirty="0"/>
+              <a:t>data(iris)</a:t>
+            </a:r>
+          </a:p>
+          <a:p>
+            <a:r>
+              <a:rPr lang="en-US" dirty="0"/>
+              <a:t>library(‘</a:t>
+            </a:r>
+            <a:r>
+              <a:rPr lang="en-US" dirty="0" err="1"/>
+              <a:t>kernlab</a:t>
+            </a:r>
+            <a:r>
+              <a:rPr lang="en-US" dirty="0"/>
+              <a:t>’)</a:t>
+            </a:r>
+          </a:p>
+          <a:p>
+            <a:r>
+              <a:rPr lang="en-US" dirty="0">
+                <a:solidFill>
+                  <a:schemeClr val="accent6">
+                    <a:lumMod val="75000"/>
+                  </a:schemeClr>
+                </a:solidFill>
+              </a:rPr>
+              <a:t>## Create a kernel function using the build in </a:t>
+            </a:r>
+            <a:r>
+              <a:rPr lang="en-US" dirty="0" err="1">
+                <a:solidFill>
+                  <a:schemeClr val="accent6">
+                    <a:lumMod val="75000"/>
+                  </a:schemeClr>
+                </a:solidFill>
+              </a:rPr>
+              <a:t>rbfdot</a:t>
+            </a:r>
+            <a:r>
+              <a:rPr lang="en-US" dirty="0">
+                <a:solidFill>
+                  <a:schemeClr val="accent6">
+                    <a:lumMod val="75000"/>
+                  </a:schemeClr>
+                </a:solidFill>
+              </a:rPr>
+              <a:t> function</a:t>
+            </a:r>
+          </a:p>
+          <a:p>
+            <a:r>
+              <a:rPr lang="en-US" dirty="0" err="1"/>
+              <a:t>rbf</a:t>
+            </a:r>
+            <a:r>
+              <a:rPr lang="en-US" dirty="0"/>
+              <a:t> &lt;- </a:t>
+            </a:r>
+            <a:r>
+              <a:rPr lang="en-US" dirty="0" err="1"/>
+              <a:t>rbfdot</a:t>
+            </a:r>
+            <a:r>
+              <a:rPr lang="en-US" dirty="0"/>
+              <a:t>(sigma=0.1)</a:t>
+            </a:r>
+          </a:p>
+          <a:p>
+            <a:r>
+              <a:rPr lang="en-US" dirty="0" err="1"/>
+              <a:t>rbf</a:t>
+            </a:r>
+            <a:endParaRPr lang="en-US" dirty="0"/>
+          </a:p>
+          <a:p>
+            <a:r>
+              <a:rPr lang="en-US" dirty="0">
+                <a:solidFill>
+                  <a:schemeClr val="accent6">
+                    <a:lumMod val="75000"/>
+                  </a:schemeClr>
+                </a:solidFill>
+              </a:rPr>
+              <a:t>## train a bound constraint support vector machine</a:t>
+            </a:r>
+          </a:p>
+          <a:p>
+            <a:r>
+              <a:rPr lang="en-US" dirty="0" err="1"/>
+              <a:t>irismodel</a:t>
+            </a:r>
+            <a:r>
+              <a:rPr lang="en-US" dirty="0"/>
+              <a:t> &lt;- </a:t>
+            </a:r>
+            <a:r>
+              <a:rPr lang="en-US" dirty="0" err="1"/>
+              <a:t>ksvm</a:t>
+            </a:r>
+            <a:r>
+              <a:rPr lang="en-US" dirty="0"/>
+              <a:t>(</a:t>
+            </a:r>
+            <a:r>
+              <a:rPr lang="en-US" dirty="0" err="1"/>
+              <a:t>Species~.,data</a:t>
+            </a:r>
+            <a:r>
+              <a:rPr lang="en-US" dirty="0"/>
+              <a:t>=</a:t>
+            </a:r>
+            <a:r>
+              <a:rPr lang="en-US" dirty="0" err="1"/>
+              <a:t>iris,type</a:t>
+            </a:r>
+            <a:r>
+              <a:rPr lang="en-US" dirty="0"/>
+              <a:t>="C-</a:t>
+            </a:r>
+            <a:r>
+              <a:rPr lang="en-US" dirty="0" err="1"/>
+              <a:t>bsvc</a:t>
+            </a:r>
+            <a:r>
+              <a:rPr lang="en-US" dirty="0"/>
+              <a:t>",</a:t>
+            </a:r>
+          </a:p>
+          <a:p>
+            <a:r>
+              <a:rPr lang="en-US" dirty="0"/>
+              <a:t>                  kernel=</a:t>
+            </a:r>
+            <a:r>
+              <a:rPr lang="en-US" dirty="0" err="1"/>
+              <a:t>rbf,C</a:t>
+            </a:r>
+            <a:r>
+              <a:rPr lang="en-US" dirty="0"/>
+              <a:t>=10,prob.model=TRUE)</a:t>
+            </a:r>
+          </a:p>
+          <a:p>
+            <a:r>
+              <a:rPr lang="en-US" dirty="0"/>
+              <a:t>print(</a:t>
+            </a:r>
+            <a:r>
+              <a:rPr lang="en-US" dirty="0" err="1"/>
+              <a:t>irismodel</a:t>
+            </a:r>
+            <a:r>
+              <a:rPr lang="en-US" dirty="0"/>
+              <a:t>)</a:t>
+            </a:r>
+          </a:p>
+          <a:p>
+            <a:r>
+              <a:rPr lang="en-US" dirty="0">
+                <a:solidFill>
+                  <a:schemeClr val="accent6">
+                    <a:lumMod val="75000"/>
+                  </a:schemeClr>
+                </a:solidFill>
+              </a:rPr>
+              <a:t>## get fitted values</a:t>
+            </a:r>
+          </a:p>
+          <a:p>
+            <a:r>
+              <a:rPr lang="en-US" dirty="0"/>
+              <a:t>fitted(</a:t>
+            </a:r>
+            <a:r>
+              <a:rPr lang="en-US" dirty="0" err="1"/>
+              <a:t>irismodel</a:t>
+            </a:r>
+            <a:r>
+              <a:rPr lang="en-US" dirty="0"/>
+              <a:t>)</a:t>
+            </a:r>
+          </a:p>
+          <a:p>
+            <a:r>
+              <a:rPr lang="en-US" dirty="0">
+                <a:solidFill>
+                  <a:schemeClr val="accent6">
+                    <a:lumMod val="75000"/>
+                  </a:schemeClr>
+                </a:solidFill>
+              </a:rPr>
+              <a:t>## Test on the training set with probabilities as output</a:t>
+            </a:r>
+          </a:p>
+          <a:p>
+            <a:r>
+              <a:rPr lang="en-US" dirty="0"/>
+              <a:t>predict(</a:t>
+            </a:r>
+            <a:r>
+              <a:rPr lang="en-US" dirty="0" err="1"/>
+              <a:t>irismodel</a:t>
+            </a:r>
+            <a:r>
+              <a:rPr lang="en-US" dirty="0"/>
+              <a:t>, iris[,-5], type="probabilities")</a:t>
+            </a:r>
+          </a:p>
+        </p:txBody>
+      </p:sp>
+      <p:sp>
+        <p:nvSpPr>
+          <p:cNvPr id="17" name="TextBox 16">
+            <a:hlinkClick r:id="rId2"/>
+            <a:extLst>
+              <a:ext uri="{FF2B5EF4-FFF2-40B4-BE49-F238E27FC236}">
+                <a16:creationId xmlns:a16="http://schemas.microsoft.com/office/drawing/2014/main" id="{89E613D1-6C20-40ED-860A-655804069332}"/>
+              </a:ext>
+            </a:extLst>
+          </p:cNvPr>
+          <p:cNvSpPr txBox="1"/>
+          <p:nvPr/>
+        </p:nvSpPr>
+        <p:spPr>
+          <a:xfrm>
+            <a:off x="2389807" y="1371509"/>
+            <a:ext cx="8382000" cy="646331"/>
+          </a:xfrm>
+          <a:prstGeom prst="rect">
+            <a:avLst/>
+          </a:prstGeom>
+          <a:noFill/>
+        </p:spPr>
+        <p:txBody>
+          <a:bodyPr wrap="square">
+            <a:spAutoFit/>
+          </a:bodyPr>
+          <a:lstStyle/>
+          <a:p>
+            <a:r>
+              <a:rPr lang="en-US" dirty="0">
+                <a:hlinkClick r:id="rId2"/>
+              </a:rPr>
+              <a:t>https://www.rdocumentation.org/packages/kernlab/versions/0.9-29/topics/ksvm</a:t>
+            </a:r>
+            <a:endParaRPr lang="en-US" dirty="0"/>
+          </a:p>
+          <a:p>
+            <a:endParaRPr lang="en-US" dirty="0"/>
+          </a:p>
+        </p:txBody>
+      </p:sp>
+      <p:sp>
+        <p:nvSpPr>
+          <p:cNvPr id="18" name="TextBox 17">
+            <a:extLst>
+              <a:ext uri="{FF2B5EF4-FFF2-40B4-BE49-F238E27FC236}">
+                <a16:creationId xmlns:a16="http://schemas.microsoft.com/office/drawing/2014/main" id="{AFB71D2C-E029-4FF1-89BA-33820510B201}"/>
+              </a:ext>
+            </a:extLst>
+          </p:cNvPr>
+          <p:cNvSpPr txBox="1"/>
+          <p:nvPr/>
+        </p:nvSpPr>
+        <p:spPr>
+          <a:xfrm>
+            <a:off x="1543101" y="1037578"/>
+            <a:ext cx="10355142" cy="369332"/>
+          </a:xfrm>
+          <a:prstGeom prst="rect">
+            <a:avLst/>
+          </a:prstGeom>
+          <a:noFill/>
+        </p:spPr>
+        <p:txBody>
+          <a:bodyPr wrap="none" rtlCol="0">
+            <a:spAutoFit/>
+          </a:bodyPr>
+          <a:lstStyle/>
+          <a:p>
+            <a:r>
+              <a:rPr lang="en-US" dirty="0"/>
+              <a:t>An example with much more sophisticated function for support vector machine learning from </a:t>
+            </a:r>
+            <a:r>
+              <a:rPr lang="en-US" dirty="0" err="1"/>
+              <a:t>kernlab</a:t>
+            </a:r>
+            <a:r>
+              <a:rPr lang="en-US" dirty="0"/>
+              <a:t> library</a:t>
+            </a:r>
+          </a:p>
+        </p:txBody>
+      </p:sp>
+      <p:sp>
+        <p:nvSpPr>
+          <p:cNvPr id="19" name="TextBox 18">
+            <a:extLst>
+              <a:ext uri="{FF2B5EF4-FFF2-40B4-BE49-F238E27FC236}">
+                <a16:creationId xmlns:a16="http://schemas.microsoft.com/office/drawing/2014/main" id="{2708D38B-635B-4F0F-AFB3-145C72241A21}"/>
+              </a:ext>
+            </a:extLst>
+          </p:cNvPr>
+          <p:cNvSpPr txBox="1"/>
+          <p:nvPr/>
+        </p:nvSpPr>
+        <p:spPr>
+          <a:xfrm>
+            <a:off x="7669368" y="2114868"/>
+            <a:ext cx="3454400" cy="2031325"/>
+          </a:xfrm>
+          <a:prstGeom prst="rect">
+            <a:avLst/>
+          </a:prstGeom>
+          <a:noFill/>
+        </p:spPr>
+        <p:txBody>
+          <a:bodyPr wrap="square" rtlCol="0">
+            <a:spAutoFit/>
+          </a:bodyPr>
+          <a:lstStyle/>
+          <a:p>
+            <a:r>
+              <a:rPr lang="en-US" dirty="0">
+                <a:solidFill>
+                  <a:srgbClr val="FF0000"/>
+                </a:solidFill>
+              </a:rPr>
+              <a:t>Note: ‘</a:t>
+            </a:r>
+            <a:r>
+              <a:rPr lang="en-US" dirty="0" smtClean="0">
+                <a:solidFill>
+                  <a:srgbClr val="FF0000"/>
+                </a:solidFill>
+              </a:rPr>
+              <a:t>library()’ </a:t>
+            </a:r>
+            <a:r>
+              <a:rPr lang="en-US" dirty="0">
+                <a:solidFill>
+                  <a:srgbClr val="FF0000"/>
+                </a:solidFill>
+              </a:rPr>
+              <a:t>is R command for loading a package/module/library to your </a:t>
+            </a:r>
+            <a:r>
+              <a:rPr lang="en-US" dirty="0" smtClean="0">
+                <a:solidFill>
+                  <a:srgbClr val="FF0000"/>
+                </a:solidFill>
+              </a:rPr>
+              <a:t>script every time you use it</a:t>
+            </a:r>
+          </a:p>
+          <a:p>
+            <a:endParaRPr lang="en-US" dirty="0">
+              <a:solidFill>
+                <a:srgbClr val="FF0000"/>
+              </a:solidFill>
+            </a:endParaRPr>
+          </a:p>
+          <a:p>
+            <a:r>
+              <a:rPr lang="en-US" dirty="0" smtClean="0">
+                <a:solidFill>
+                  <a:srgbClr val="FF0000"/>
+                </a:solidFill>
+              </a:rPr>
+              <a:t>Note: </a:t>
+            </a:r>
+            <a:r>
+              <a:rPr lang="en-US" dirty="0" err="1" smtClean="0">
+                <a:solidFill>
+                  <a:srgbClr val="FF0000"/>
+                </a:solidFill>
+              </a:rPr>
+              <a:t>install.packages</a:t>
+            </a:r>
+            <a:r>
+              <a:rPr lang="en-US" dirty="0" smtClean="0">
+                <a:solidFill>
+                  <a:srgbClr val="FF0000"/>
+                </a:solidFill>
+              </a:rPr>
+              <a:t>() is the terminal command to download a library for the first time ONLY</a:t>
+            </a:r>
+            <a:endParaRPr lang="en-US" dirty="0">
+              <a:solidFill>
+                <a:srgbClr val="FF0000"/>
+              </a:solidFill>
+            </a:endParaRPr>
+          </a:p>
+        </p:txBody>
+      </p:sp>
+    </p:spTree>
+    <p:extLst>
+      <p:ext uri="{BB962C8B-B14F-4D97-AF65-F5344CB8AC3E}">
+        <p14:creationId xmlns:p14="http://schemas.microsoft.com/office/powerpoint/2010/main" val="2752107041"/>
+      </p:ext>
+    </p:extLst>
+  </p:cSld>
+  <p:clrMapOvr>
+    <a:masterClrMapping/>
+  </p:clrMapOvr>
+  <p:timing>
+    <p:tnLst>
+      <p:par>
+        <p:cTn id="1" dur="indefinite" restart="never" nodeType="tmRoot"/>
+      </p:par>
+    </p:tnLst>
+  </p:timing>
 </p:sld>
 </file>
 
 <file path=ppt/slides/slide6.xml><?xml version="1.0" encoding="utf-8"?>
 <p:sld xmlns:a="http://schemas.openxmlformats.org/drawingml/2006/main" xmlns:r="http://schemas.openxmlformats.org/officeDocument/2006/relationships" xmlns:p="http://schemas.openxmlformats.org/presentationml/2006/main">
   <p:cSld>
+    <p:bg>
+      <p:bgPr>
+        <a:solidFill>
+          <a:schemeClr val="accent6">
+            <a:lumMod val="20000"/>
+            <a:lumOff val="80000"/>
+          </a:schemeClr>
+        </a:solidFill>
+        <a:effectLst/>
+      </p:bgPr>
+    </p:bg>
     <p:spTree>
       <p:nvGrpSpPr>
         <p:cNvPr id="1" name=""/>
@@ -8608,12 +8944,30 @@
   <p:clrMapOvr>
     <a:masterClrMapping/>
   </p:clrMapOvr>
+  <p:timing>
+    <p:tnLst>
+      <p:par>
+        <p:cTn id="1" dur="indefinite" restart="never" nodeType="tmRoot"/>
+      </p:par>
+    </p:tnLst>
+  </p:timing>
 </p:sld>
 </file>
 
 <file path=ppt/slides/slide7.xml><?xml version="1.0" encoding="utf-8"?>
 <p:sld xmlns:a="http://schemas.openxmlformats.org/drawingml/2006/main" xmlns:r="http://schemas.openxmlformats.org/officeDocument/2006/relationships" xmlns:p="http://schemas.openxmlformats.org/presentationml/2006/main">
   <p:cSld>
+    <p:bg>
+      <p:bgPr>
+        <a:solidFill>
+          <a:schemeClr val="accent6">
+            <a:lumMod val="20000"/>
+            <a:lumOff val="80000"/>
+          </a:schemeClr>
+        </a:solidFill>
+        <a:effectLst/>
+      </p:bgPr>
+    </p:bg>
     <p:spTree>
       <p:nvGrpSpPr>
         <p:cNvPr id="1" name=""/>
@@ -10248,12 +10602,30 @@
   <p:clrMapOvr>
     <a:masterClrMapping/>
   </p:clrMapOvr>
+  <p:timing>
+    <p:tnLst>
+      <p:par>
+        <p:cTn id="1" dur="indefinite" restart="never" nodeType="tmRoot"/>
+      </p:par>
+    </p:tnLst>
+  </p:timing>
 </p:sld>
 </file>
 
 <file path=ppt/slides/slide8.xml><?xml version="1.0" encoding="utf-8"?>
 <p:sld xmlns:a="http://schemas.openxmlformats.org/drawingml/2006/main" xmlns:r="http://schemas.openxmlformats.org/officeDocument/2006/relationships" xmlns:p="http://schemas.openxmlformats.org/presentationml/2006/main">
   <p:cSld>
+    <p:bg>
+      <p:bgPr>
+        <a:solidFill>
+          <a:schemeClr val="accent6">
+            <a:lumMod val="20000"/>
+            <a:lumOff val="80000"/>
+          </a:schemeClr>
+        </a:solidFill>
+        <a:effectLst/>
+      </p:bgPr>
+    </p:bg>
     <p:spTree>
       <p:nvGrpSpPr>
         <p:cNvPr id="1" name=""/>
@@ -11726,12 +12098,30 @@
   <p:clrMapOvr>
     <a:masterClrMapping/>
   </p:clrMapOvr>
+  <p:timing>
+    <p:tnLst>
+      <p:par>
+        <p:cTn id="1" dur="indefinite" restart="never" nodeType="tmRoot"/>
+      </p:par>
+    </p:tnLst>
+  </p:timing>
 </p:sld>
 </file>
 
 <file path=ppt/slides/slide9.xml><?xml version="1.0" encoding="utf-8"?>
 <p:sld xmlns:a="http://schemas.openxmlformats.org/drawingml/2006/main" xmlns:r="http://schemas.openxmlformats.org/officeDocument/2006/relationships" xmlns:p="http://schemas.openxmlformats.org/presentationml/2006/main">
   <p:cSld>
+    <p:bg>
+      <p:bgPr>
+        <a:solidFill>
+          <a:schemeClr val="accent6">
+            <a:lumMod val="20000"/>
+            <a:lumOff val="80000"/>
+          </a:schemeClr>
+        </a:solidFill>
+        <a:effectLst/>
+      </p:bgPr>
+    </p:bg>
     <p:spTree>
       <p:nvGrpSpPr>
         <p:cNvPr id="1" name=""/>
@@ -12982,6 +13372,13 @@
   <p:clrMapOvr>
     <a:masterClrMapping/>
   </p:clrMapOvr>
+  <p:timing>
+    <p:tnLst>
+      <p:par>
+        <p:cTn id="1" dur="indefinite" restart="never" nodeType="tmRoot"/>
+      </p:par>
+    </p:tnLst>
+  </p:timing>
 </p:sld>
 </file>
 
